--- a/Documents/Курсовая работа/Pekhterev_D.pptx
+++ b/Documents/Курсовая работа/Pekhterev_D.pptx
@@ -5,7 +5,7 @@
     <p:sldMasterId id="2147483648" r:id="rId1"/>
   </p:sldMasterIdLst>
   <p:notesMasterIdLst>
-    <p:notesMasterId r:id="rId9"/>
+    <p:notesMasterId r:id="rId13"/>
   </p:notesMasterIdLst>
   <p:sldIdLst>
     <p:sldId id="256" r:id="rId2"/>
@@ -13,8 +13,12 @@
     <p:sldId id="267" r:id="rId4"/>
     <p:sldId id="264" r:id="rId5"/>
     <p:sldId id="265" r:id="rId6"/>
-    <p:sldId id="266" r:id="rId7"/>
-    <p:sldId id="263" r:id="rId8"/>
+    <p:sldId id="270" r:id="rId7"/>
+    <p:sldId id="273" r:id="rId8"/>
+    <p:sldId id="266" r:id="rId9"/>
+    <p:sldId id="263" r:id="rId10"/>
+    <p:sldId id="272" r:id="rId11"/>
+    <p:sldId id="271" r:id="rId12"/>
   </p:sldIdLst>
   <p:sldSz cx="24384000" cy="13716000"/>
   <p:notesSz cx="6858000" cy="9144000"/>
@@ -3257,6 +3261,343 @@
           <a:p>
             <a:r>
               <a:rPr lang="ru-RU" dirty="0"/>
+              <a:t>Пример про </a:t>
+            </a:r>
+            <a:r>
+              <a:rPr lang="en-US" dirty="0"/>
+              <a:t>APPLE </a:t>
+            </a:r>
+            <a:r>
+              <a:rPr lang="ru-RU" dirty="0"/>
+              <a:t>и информационный шум + написать про компании, которые </a:t>
+            </a:r>
+            <a:r>
+              <a:rPr lang="ru-RU"/>
+              <a:t>существуют (+.)</a:t>
+            </a:r>
+            <a:endParaRPr lang="ru-RU" dirty="0"/>
+          </a:p>
+        </p:txBody>
+      </p:sp>
+    </p:spTree>
+    <p:extLst>
+      <p:ext uri="{BB962C8B-B14F-4D97-AF65-F5344CB8AC3E}">
+        <p14:creationId xmlns:p14="http://schemas.microsoft.com/office/powerpoint/2010/main" val="87093725"/>
+      </p:ext>
+    </p:extLst>
+  </p:cSld>
+  <p:clrMapOvr>
+    <a:masterClrMapping/>
+  </p:clrMapOvr>
+</p:notes>
+</file>
+
+<file path=ppt/notesSlides/notesSlide2.xml><?xml version="1.0" encoding="utf-8"?>
+<p:notes xmlns:a="http://schemas.openxmlformats.org/drawingml/2006/main" xmlns:r="http://schemas.openxmlformats.org/officeDocument/2006/relationships" xmlns:p="http://schemas.openxmlformats.org/presentationml/2006/main">
+  <p:cSld>
+    <p:spTree>
+      <p:nvGrpSpPr>
+        <p:cNvPr id="1" name=""/>
+        <p:cNvGrpSpPr/>
+        <p:nvPr/>
+      </p:nvGrpSpPr>
+      <p:grpSpPr>
+        <a:xfrm>
+          <a:off x="0" y="0"/>
+          <a:ext cx="0" cy="0"/>
+          <a:chOff x="0" y="0"/>
+          <a:chExt cx="0" cy="0"/>
+        </a:xfrm>
+      </p:grpSpPr>
+      <p:sp>
+        <p:nvSpPr>
+          <p:cNvPr id="2" name="Образ слайда 1"/>
+          <p:cNvSpPr>
+            <a:spLocks noGrp="1" noRot="1" noChangeAspect="1"/>
+          </p:cNvSpPr>
+          <p:nvPr>
+            <p:ph type="sldImg"/>
+          </p:nvPr>
+        </p:nvSpPr>
+        <p:spPr>
+          <a:xfrm>
+            <a:off x="381000" y="685800"/>
+            <a:ext cx="6096000" cy="3429000"/>
+          </a:xfrm>
+        </p:spPr>
+      </p:sp>
+      <p:sp>
+        <p:nvSpPr>
+          <p:cNvPr id="3" name="Заметки 2"/>
+          <p:cNvSpPr>
+            <a:spLocks noGrp="1"/>
+          </p:cNvSpPr>
+          <p:nvPr>
+            <p:ph type="body" idx="1"/>
+          </p:nvPr>
+        </p:nvSpPr>
+        <p:spPr/>
+        <p:txBody>
+          <a:bodyPr/>
+          <a:lstStyle/>
+          <a:p>
+            <a:r>
+              <a:rPr lang="ru-RU" dirty="0"/>
+              <a:t>Сделать замещение (анимацией) на содержательный текст</a:t>
+            </a:r>
+          </a:p>
+        </p:txBody>
+      </p:sp>
+    </p:spTree>
+    <p:extLst>
+      <p:ext uri="{BB962C8B-B14F-4D97-AF65-F5344CB8AC3E}">
+        <p14:creationId xmlns:p14="http://schemas.microsoft.com/office/powerpoint/2010/main" val="3823517472"/>
+      </p:ext>
+    </p:extLst>
+  </p:cSld>
+  <p:clrMapOvr>
+    <a:masterClrMapping/>
+  </p:clrMapOvr>
+</p:notes>
+</file>
+
+<file path=ppt/notesSlides/notesSlide3.xml><?xml version="1.0" encoding="utf-8"?>
+<p:notes xmlns:a="http://schemas.openxmlformats.org/drawingml/2006/main" xmlns:r="http://schemas.openxmlformats.org/officeDocument/2006/relationships" xmlns:p="http://schemas.openxmlformats.org/presentationml/2006/main">
+  <p:cSld>
+    <p:spTree>
+      <p:nvGrpSpPr>
+        <p:cNvPr id="1" name=""/>
+        <p:cNvGrpSpPr/>
+        <p:nvPr/>
+      </p:nvGrpSpPr>
+      <p:grpSpPr>
+        <a:xfrm>
+          <a:off x="0" y="0"/>
+          <a:ext cx="0" cy="0"/>
+          <a:chOff x="0" y="0"/>
+          <a:chExt cx="0" cy="0"/>
+        </a:xfrm>
+      </p:grpSpPr>
+      <p:sp>
+        <p:nvSpPr>
+          <p:cNvPr id="2" name="Образ слайда 1"/>
+          <p:cNvSpPr>
+            <a:spLocks noGrp="1" noRot="1" noChangeAspect="1"/>
+          </p:cNvSpPr>
+          <p:nvPr>
+            <p:ph type="sldImg"/>
+          </p:nvPr>
+        </p:nvSpPr>
+        <p:spPr>
+          <a:xfrm>
+            <a:off x="381000" y="685800"/>
+            <a:ext cx="6096000" cy="3429000"/>
+          </a:xfrm>
+        </p:spPr>
+      </p:sp>
+      <p:sp>
+        <p:nvSpPr>
+          <p:cNvPr id="3" name="Заметки 2"/>
+          <p:cNvSpPr>
+            <a:spLocks noGrp="1"/>
+          </p:cNvSpPr>
+          <p:nvPr>
+            <p:ph type="body" idx="1"/>
+          </p:nvPr>
+        </p:nvSpPr>
+        <p:spPr/>
+        <p:txBody>
+          <a:bodyPr/>
+          <a:lstStyle/>
+          <a:p>
+            <a:pPr marL="0" marR="0" lvl="0" indent="0" algn="l" defTabSz="457200" eaLnBrk="1" fontAlgn="auto" latinLnBrk="0" hangingPunct="1">
+              <a:lnSpc>
+                <a:spcPct val="117999"/>
+              </a:lnSpc>
+              <a:spcBef>
+                <a:spcPts val="0"/>
+              </a:spcBef>
+              <a:spcAft>
+                <a:spcPts val="0"/>
+              </a:spcAft>
+              <a:buClrTx/>
+              <a:buSzTx/>
+              <a:buFontTx/>
+              <a:buNone/>
+              <a:tabLst/>
+              <a:defRPr/>
+            </a:pPr>
+            <a:r>
+              <a:rPr lang="ru-RU" sz="2400" i="1" dirty="0">
+                <a:solidFill>
+                  <a:sysClr val="windowText" lastClr="000000"/>
+                </a:solidFill>
+              </a:rPr>
+              <a:t>Первым этапом при анализе тех или иных текстов методами машинного обучения, текстовые данные требуется перевести в числовой формат.</a:t>
+            </a:r>
+          </a:p>
+          <a:p>
+            <a:endParaRPr lang="ru-RU" dirty="0"/>
+          </a:p>
+        </p:txBody>
+      </p:sp>
+    </p:spTree>
+    <p:extLst>
+      <p:ext uri="{BB962C8B-B14F-4D97-AF65-F5344CB8AC3E}">
+        <p14:creationId xmlns:p14="http://schemas.microsoft.com/office/powerpoint/2010/main" val="12759665"/>
+      </p:ext>
+    </p:extLst>
+  </p:cSld>
+  <p:clrMapOvr>
+    <a:masterClrMapping/>
+  </p:clrMapOvr>
+</p:notes>
+</file>
+
+<file path=ppt/notesSlides/notesSlide4.xml><?xml version="1.0" encoding="utf-8"?>
+<p:notes xmlns:a="http://schemas.openxmlformats.org/drawingml/2006/main" xmlns:r="http://schemas.openxmlformats.org/officeDocument/2006/relationships" xmlns:p="http://schemas.openxmlformats.org/presentationml/2006/main">
+  <p:cSld>
+    <p:spTree>
+      <p:nvGrpSpPr>
+        <p:cNvPr id="1" name=""/>
+        <p:cNvGrpSpPr/>
+        <p:nvPr/>
+      </p:nvGrpSpPr>
+      <p:grpSpPr>
+        <a:xfrm>
+          <a:off x="0" y="0"/>
+          <a:ext cx="0" cy="0"/>
+          <a:chOff x="0" y="0"/>
+          <a:chExt cx="0" cy="0"/>
+        </a:xfrm>
+      </p:grpSpPr>
+      <p:sp>
+        <p:nvSpPr>
+          <p:cNvPr id="2" name="Образ слайда 1"/>
+          <p:cNvSpPr>
+            <a:spLocks noGrp="1" noRot="1" noChangeAspect="1"/>
+          </p:cNvSpPr>
+          <p:nvPr>
+            <p:ph type="sldImg"/>
+          </p:nvPr>
+        </p:nvSpPr>
+        <p:spPr>
+          <a:xfrm>
+            <a:off x="381000" y="685800"/>
+            <a:ext cx="6096000" cy="3429000"/>
+          </a:xfrm>
+        </p:spPr>
+      </p:sp>
+      <p:sp>
+        <p:nvSpPr>
+          <p:cNvPr id="3" name="Заметки 2"/>
+          <p:cNvSpPr>
+            <a:spLocks noGrp="1"/>
+          </p:cNvSpPr>
+          <p:nvPr>
+            <p:ph type="body" idx="1"/>
+          </p:nvPr>
+        </p:nvSpPr>
+        <p:spPr/>
+        <p:txBody>
+          <a:bodyPr/>
+          <a:lstStyle/>
+          <a:p>
+            <a:pPr marL="0" marR="0" lvl="0" indent="0" algn="l" defTabSz="457200" eaLnBrk="1" fontAlgn="auto" latinLnBrk="0" hangingPunct="1">
+              <a:lnSpc>
+                <a:spcPct val="117999"/>
+              </a:lnSpc>
+              <a:spcBef>
+                <a:spcPts val="0"/>
+              </a:spcBef>
+              <a:spcAft>
+                <a:spcPts val="0"/>
+              </a:spcAft>
+              <a:buClrTx/>
+              <a:buSzTx/>
+              <a:buFontTx/>
+              <a:buNone/>
+              <a:tabLst/>
+              <a:defRPr/>
+            </a:pPr>
+            <a:r>
+              <a:rPr lang="ru-RU" sz="2400" i="1" dirty="0">
+                <a:solidFill>
+                  <a:sysClr val="windowText" lastClr="000000"/>
+                </a:solidFill>
+              </a:rPr>
+              <a:t>Первым этапом при анализе тех или иных текстов методами машинного обучения, текстовые данные требуется перевести в числовой формат.</a:t>
+            </a:r>
+          </a:p>
+          <a:p>
+            <a:endParaRPr lang="ru-RU" dirty="0"/>
+          </a:p>
+        </p:txBody>
+      </p:sp>
+    </p:spTree>
+    <p:extLst>
+      <p:ext uri="{BB962C8B-B14F-4D97-AF65-F5344CB8AC3E}">
+        <p14:creationId xmlns:p14="http://schemas.microsoft.com/office/powerpoint/2010/main" val="501527242"/>
+      </p:ext>
+    </p:extLst>
+  </p:cSld>
+  <p:clrMapOvr>
+    <a:masterClrMapping/>
+  </p:clrMapOvr>
+</p:notes>
+</file>
+
+<file path=ppt/notesSlides/notesSlide5.xml><?xml version="1.0" encoding="utf-8"?>
+<p:notes xmlns:a="http://schemas.openxmlformats.org/drawingml/2006/main" xmlns:r="http://schemas.openxmlformats.org/officeDocument/2006/relationships" xmlns:p="http://schemas.openxmlformats.org/presentationml/2006/main">
+  <p:cSld>
+    <p:spTree>
+      <p:nvGrpSpPr>
+        <p:cNvPr id="1" name=""/>
+        <p:cNvGrpSpPr/>
+        <p:nvPr/>
+      </p:nvGrpSpPr>
+      <p:grpSpPr>
+        <a:xfrm>
+          <a:off x="0" y="0"/>
+          <a:ext cx="0" cy="0"/>
+          <a:chOff x="0" y="0"/>
+          <a:chExt cx="0" cy="0"/>
+        </a:xfrm>
+      </p:grpSpPr>
+      <p:sp>
+        <p:nvSpPr>
+          <p:cNvPr id="2" name="Образ слайда 1"/>
+          <p:cNvSpPr>
+            <a:spLocks noGrp="1" noRot="1" noChangeAspect="1"/>
+          </p:cNvSpPr>
+          <p:nvPr>
+            <p:ph type="sldImg"/>
+          </p:nvPr>
+        </p:nvSpPr>
+        <p:spPr>
+          <a:xfrm>
+            <a:off x="381000" y="685800"/>
+            <a:ext cx="6096000" cy="3429000"/>
+          </a:xfrm>
+        </p:spPr>
+      </p:sp>
+      <p:sp>
+        <p:nvSpPr>
+          <p:cNvPr id="3" name="Заметки 2"/>
+          <p:cNvSpPr>
+            <a:spLocks noGrp="1"/>
+          </p:cNvSpPr>
+          <p:nvPr>
+            <p:ph type="body" idx="1"/>
+          </p:nvPr>
+        </p:nvSpPr>
+        <p:spPr/>
+        <p:txBody>
+          <a:bodyPr/>
+          <a:lstStyle/>
+          <a:p>
+            <a:r>
+              <a:rPr lang="ru-RU" dirty="0"/>
               <a:t>Здесь будет появляться большой график и потом уменьшаться и становиться в ряд</a:t>
             </a:r>
           </a:p>
@@ -3266,6 +3607,99 @@
     <p:extLst>
       <p:ext uri="{BB962C8B-B14F-4D97-AF65-F5344CB8AC3E}">
         <p14:creationId xmlns:p14="http://schemas.microsoft.com/office/powerpoint/2010/main" val="1497865334"/>
+      </p:ext>
+    </p:extLst>
+  </p:cSld>
+  <p:clrMapOvr>
+    <a:masterClrMapping/>
+  </p:clrMapOvr>
+</p:notes>
+</file>
+
+<file path=ppt/notesSlides/notesSlide6.xml><?xml version="1.0" encoding="utf-8"?>
+<p:notes xmlns:a="http://schemas.openxmlformats.org/drawingml/2006/main" xmlns:r="http://schemas.openxmlformats.org/officeDocument/2006/relationships" xmlns:p="http://schemas.openxmlformats.org/presentationml/2006/main">
+  <p:cSld>
+    <p:spTree>
+      <p:nvGrpSpPr>
+        <p:cNvPr id="1" name=""/>
+        <p:cNvGrpSpPr/>
+        <p:nvPr/>
+      </p:nvGrpSpPr>
+      <p:grpSpPr>
+        <a:xfrm>
+          <a:off x="0" y="0"/>
+          <a:ext cx="0" cy="0"/>
+          <a:chOff x="0" y="0"/>
+          <a:chExt cx="0" cy="0"/>
+        </a:xfrm>
+      </p:grpSpPr>
+      <p:sp>
+        <p:nvSpPr>
+          <p:cNvPr id="2" name="Образ слайда 1"/>
+          <p:cNvSpPr>
+            <a:spLocks noGrp="1" noRot="1" noChangeAspect="1"/>
+          </p:cNvSpPr>
+          <p:nvPr>
+            <p:ph type="sldImg"/>
+          </p:nvPr>
+        </p:nvSpPr>
+        <p:spPr>
+          <a:xfrm>
+            <a:off x="381000" y="685800"/>
+            <a:ext cx="6096000" cy="3429000"/>
+          </a:xfrm>
+        </p:spPr>
+      </p:sp>
+      <p:sp>
+        <p:nvSpPr>
+          <p:cNvPr id="3" name="Заметки 2"/>
+          <p:cNvSpPr>
+            <a:spLocks noGrp="1"/>
+          </p:cNvSpPr>
+          <p:nvPr>
+            <p:ph type="body" idx="1"/>
+          </p:nvPr>
+        </p:nvSpPr>
+        <p:spPr/>
+        <p:txBody>
+          <a:bodyPr/>
+          <a:lstStyle/>
+          <a:p>
+            <a:pPr marL="0" marR="0" lvl="0" indent="0" algn="l" defTabSz="457200" eaLnBrk="1" fontAlgn="auto" latinLnBrk="0" hangingPunct="1">
+              <a:lnSpc>
+                <a:spcPct val="117999"/>
+              </a:lnSpc>
+              <a:spcBef>
+                <a:spcPts val="0"/>
+              </a:spcBef>
+              <a:spcAft>
+                <a:spcPts val="0"/>
+              </a:spcAft>
+              <a:buClrTx/>
+              <a:buSzTx/>
+              <a:buFontTx/>
+              <a:buNone/>
+              <a:tabLst/>
+              <a:defRPr/>
+            </a:pPr>
+            <a:r>
+              <a:rPr lang="ru-RU" sz="2400" i="1" dirty="0">
+                <a:solidFill>
+                  <a:sysClr val="windowText" lastClr="000000"/>
+                </a:solidFill>
+              </a:rPr>
+              <a:t>Первым этапом при анализе тех или иных текстов методами машинного обучения, текстовые данные требуется перевести в числовой формат.</a:t>
+            </a:r>
+          </a:p>
+          <a:p>
+            <a:endParaRPr lang="ru-RU" dirty="0"/>
+          </a:p>
+        </p:txBody>
+      </p:sp>
+    </p:spTree>
+    <p:extLst>
+      <p:ext uri="{BB962C8B-B14F-4D97-AF65-F5344CB8AC3E}">
+        <p14:creationId xmlns:p14="http://schemas.microsoft.com/office/powerpoint/2010/main" val="773730823"/>
       </p:ext>
     </p:extLst>
   </p:cSld>
@@ -4841,7 +5275,7 @@
           </a:ln>
           <a:extLst>
             <a:ext uri="{C572A759-6A51-4108-AA02-DFA0A04FC94B}">
-              <ma14:wrappingTextBoxFlag xmlns:ma14="http://schemas.microsoft.com/office/mac/drawingml/2011/main" xmlns:a14="http://schemas.microsoft.com/office/drawing/2010/main" xmlns:m="http://schemas.openxmlformats.org/officeDocument/2006/math" xmlns="" val="1"/>
+              <ma14:wrappingTextBoxFlag xmlns="" xmlns:m="http://schemas.openxmlformats.org/officeDocument/2006/math" xmlns:a14="http://schemas.microsoft.com/office/drawing/2010/main" xmlns:ma14="http://schemas.microsoft.com/office/mac/drawingml/2011/main" val="1"/>
             </a:ext>
           </a:extLst>
         </p:spPr>
@@ -4880,7 +5314,7 @@
           </a:ln>
           <a:extLst>
             <a:ext uri="{C572A759-6A51-4108-AA02-DFA0A04FC94B}">
-              <ma14:wrappingTextBoxFlag xmlns:ma14="http://schemas.microsoft.com/office/mac/drawingml/2011/main" xmlns:a14="http://schemas.microsoft.com/office/drawing/2010/main" xmlns:m="http://schemas.openxmlformats.org/officeDocument/2006/math" xmlns="" val="1"/>
+              <ma14:wrappingTextBoxFlag xmlns="" xmlns:m="http://schemas.openxmlformats.org/officeDocument/2006/math" xmlns:a14="http://schemas.microsoft.com/office/drawing/2010/main" xmlns:ma14="http://schemas.microsoft.com/office/mac/drawingml/2011/main" val="1"/>
             </a:ext>
           </a:extLst>
         </p:spPr>
@@ -5839,7 +6273,7 @@
           </a:ln>
           <a:extLst>
             <a:ext uri="{C572A759-6A51-4108-AA02-DFA0A04FC94B}">
-              <ma14:wrappingTextBoxFlag xmlns:ma14="http://schemas.microsoft.com/office/mac/drawingml/2011/main" xmlns:a14="http://schemas.microsoft.com/office/drawing/2010/main" xmlns:m="http://schemas.openxmlformats.org/officeDocument/2006/math" xmlns="" val="1"/>
+              <ma14:wrappingTextBoxFlag xmlns="" xmlns:m="http://schemas.openxmlformats.org/officeDocument/2006/math" xmlns:a14="http://schemas.microsoft.com/office/drawing/2010/main" xmlns:ma14="http://schemas.microsoft.com/office/mac/drawingml/2011/main" val="1"/>
             </a:ext>
           </a:extLst>
         </p:spPr>
@@ -5885,7 +6319,7 @@
           </a:ln>
           <a:extLst>
             <a:ext uri="{C572A759-6A51-4108-AA02-DFA0A04FC94B}">
-              <ma14:wrappingTextBoxFlag xmlns:ma14="http://schemas.microsoft.com/office/mac/drawingml/2011/main" xmlns:a14="http://schemas.microsoft.com/office/drawing/2010/main" xmlns:m="http://schemas.openxmlformats.org/officeDocument/2006/math" xmlns="" val="1"/>
+              <ma14:wrappingTextBoxFlag xmlns="" xmlns:m="http://schemas.openxmlformats.org/officeDocument/2006/math" xmlns:a14="http://schemas.microsoft.com/office/drawing/2010/main" xmlns:ma14="http://schemas.microsoft.com/office/mac/drawingml/2011/main" val="1"/>
             </a:ext>
           </a:extLst>
         </p:spPr>
@@ -5955,7 +6389,7 @@
           </a:ln>
           <a:extLst>
             <a:ext uri="{C572A759-6A51-4108-AA02-DFA0A04FC94B}">
-              <ma14:wrappingTextBoxFlag xmlns:ma14="http://schemas.microsoft.com/office/mac/drawingml/2011/main" xmlns:a14="http://schemas.microsoft.com/office/drawing/2010/main" xmlns:m="http://schemas.openxmlformats.org/officeDocument/2006/math" xmlns="" val="1"/>
+              <ma14:wrappingTextBoxFlag xmlns="" xmlns:m="http://schemas.openxmlformats.org/officeDocument/2006/math" xmlns:a14="http://schemas.microsoft.com/office/drawing/2010/main" xmlns:ma14="http://schemas.microsoft.com/office/mac/drawingml/2011/main" val="1"/>
             </a:ext>
           </a:extLst>
         </p:spPr>
@@ -6003,7 +6437,7 @@
           </a:ln>
           <a:extLst>
             <a:ext uri="{C572A759-6A51-4108-AA02-DFA0A04FC94B}">
-              <ma14:wrappingTextBoxFlag xmlns:ma14="http://schemas.microsoft.com/office/mac/drawingml/2011/main" xmlns:a14="http://schemas.microsoft.com/office/drawing/2010/main" xmlns:m="http://schemas.openxmlformats.org/officeDocument/2006/math" xmlns="" val="1"/>
+              <ma14:wrappingTextBoxFlag xmlns="" xmlns:m="http://schemas.openxmlformats.org/officeDocument/2006/math" xmlns:a14="http://schemas.microsoft.com/office/drawing/2010/main" xmlns:ma14="http://schemas.microsoft.com/office/mac/drawingml/2011/main" val="1"/>
             </a:ext>
           </a:extLst>
         </p:spPr>
@@ -6077,6 +6511,1199 @@
 </p:sld>
 </file>
 
+<file path=ppt/slides/slide10.xml><?xml version="1.0" encoding="utf-8"?>
+<p:sld xmlns:a="http://schemas.openxmlformats.org/drawingml/2006/main" xmlns:r="http://schemas.openxmlformats.org/officeDocument/2006/relationships" xmlns:p="http://schemas.openxmlformats.org/presentationml/2006/main">
+  <p:cSld>
+    <p:spTree>
+      <p:nvGrpSpPr>
+        <p:cNvPr id="1" name=""/>
+        <p:cNvGrpSpPr/>
+        <p:nvPr/>
+      </p:nvGrpSpPr>
+      <p:grpSpPr>
+        <a:xfrm>
+          <a:off x="0" y="0"/>
+          <a:ext cx="0" cy="0"/>
+          <a:chOff x="0" y="0"/>
+          <a:chExt cx="0" cy="0"/>
+        </a:xfrm>
+      </p:grpSpPr>
+      <p:sp>
+        <p:nvSpPr>
+          <p:cNvPr id="2" name="TextBox 1">
+            <a:extLst>
+              <a:ext uri="{FF2B5EF4-FFF2-40B4-BE49-F238E27FC236}">
+                <a16:creationId xmlns:a16="http://schemas.microsoft.com/office/drawing/2014/main" id="{013229EC-B6D0-E642-8970-6CB1BA0AF1A7}"/>
+              </a:ext>
+            </a:extLst>
+          </p:cNvPr>
+          <p:cNvSpPr txBox="1"/>
+          <p:nvPr/>
+        </p:nvSpPr>
+        <p:spPr>
+          <a:xfrm>
+            <a:off x="9599712" y="5705872"/>
+            <a:ext cx="4305665" cy="1375376"/>
+          </a:xfrm>
+          <a:prstGeom prst="rect">
+            <a:avLst/>
+          </a:prstGeom>
+          <a:noFill/>
+          <a:ln w="12700" cap="flat">
+            <a:noFill/>
+            <a:miter lim="400000"/>
+          </a:ln>
+          <a:effectLst/>
+          <a:sp3d/>
+        </p:spPr>
+        <p:style>
+          <a:lnRef idx="0">
+            <a:scrgbClr r="0" g="0" b="0"/>
+          </a:lnRef>
+          <a:fillRef idx="0">
+            <a:scrgbClr r="0" g="0" b="0"/>
+          </a:fillRef>
+          <a:effectRef idx="0">
+            <a:scrgbClr r="0" g="0" b="0"/>
+          </a:effectRef>
+          <a:fontRef idx="none"/>
+        </p:style>
+        <p:txBody>
+          <a:bodyPr rot="0" spcFirstLastPara="1" vertOverflow="overflow" horzOverflow="overflow" vert="horz" wrap="none" lIns="71437" tIns="71437" rIns="71437" bIns="71437" numCol="1" spcCol="38100" rtlCol="0" anchor="ctr">
+            <a:spAutoFit/>
+          </a:bodyPr>
+          <a:lstStyle/>
+          <a:p>
+            <a:pPr marL="0" marR="0" indent="0" algn="ctr" defTabSz="821531" rtl="0" fontAlgn="auto" latinLnBrk="0" hangingPunct="0">
+              <a:lnSpc>
+                <a:spcPct val="100000"/>
+              </a:lnSpc>
+              <a:spcBef>
+                <a:spcPts val="0"/>
+              </a:spcBef>
+              <a:spcAft>
+                <a:spcPts val="0"/>
+              </a:spcAft>
+              <a:buClrTx/>
+              <a:buSzTx/>
+              <a:buFontTx/>
+              <a:buNone/>
+              <a:tabLst/>
+            </a:pPr>
+            <a:r>
+              <a:rPr lang="en-US" sz="8000" b="1" dirty="0">
+                <a:solidFill>
+                  <a:schemeClr val="bg1"/>
+                </a:solidFill>
+              </a:rPr>
+              <a:t>BACKUP</a:t>
+            </a:r>
+            <a:endParaRPr kumimoji="0" lang="ru-RU" sz="8000" b="1" i="0" u="none" strike="noStrike" cap="none" spc="0" normalizeH="0" baseline="0" dirty="0">
+              <a:ln>
+                <a:noFill/>
+              </a:ln>
+              <a:solidFill>
+                <a:schemeClr val="bg1"/>
+              </a:solidFill>
+              <a:effectLst/>
+              <a:uFillTx/>
+              <a:sym typeface="Helvetica Light"/>
+            </a:endParaRPr>
+          </a:p>
+        </p:txBody>
+      </p:sp>
+    </p:spTree>
+    <p:extLst>
+      <p:ext uri="{BB962C8B-B14F-4D97-AF65-F5344CB8AC3E}">
+        <p14:creationId xmlns:p14="http://schemas.microsoft.com/office/powerpoint/2010/main" val="716339057"/>
+      </p:ext>
+    </p:extLst>
+  </p:cSld>
+  <p:clrMapOvr>
+    <a:masterClrMapping/>
+  </p:clrMapOvr>
+  <p:transition spd="med"/>
+</p:sld>
+</file>
+
+<file path=ppt/slides/slide11.xml><?xml version="1.0" encoding="utf-8"?>
+<p:sld xmlns:a="http://schemas.openxmlformats.org/drawingml/2006/main" xmlns:r="http://schemas.openxmlformats.org/officeDocument/2006/relationships" xmlns:p="http://schemas.openxmlformats.org/presentationml/2006/main">
+  <p:cSld>
+    <p:spTree>
+      <p:nvGrpSpPr>
+        <p:cNvPr id="1" name=""/>
+        <p:cNvGrpSpPr/>
+        <p:nvPr/>
+      </p:nvGrpSpPr>
+      <p:grpSpPr>
+        <a:xfrm>
+          <a:off x="0" y="0"/>
+          <a:ext cx="0" cy="0"/>
+          <a:chOff x="0" y="0"/>
+          <a:chExt cx="0" cy="0"/>
+        </a:xfrm>
+      </p:grpSpPr>
+      <p:sp>
+        <p:nvSpPr>
+          <p:cNvPr id="2" name="Очень крутой заголовок…">
+            <a:extLst>
+              <a:ext uri="{FF2B5EF4-FFF2-40B4-BE49-F238E27FC236}">
+                <a16:creationId xmlns:a16="http://schemas.microsoft.com/office/drawing/2014/main" id="{AA4E6690-1AAA-2444-9557-7DFB8900C208}"/>
+              </a:ext>
+            </a:extLst>
+          </p:cNvPr>
+          <p:cNvSpPr txBox="1"/>
+          <p:nvPr/>
+        </p:nvSpPr>
+        <p:spPr>
+          <a:xfrm>
+            <a:off x="598712" y="374367"/>
+            <a:ext cx="21506374" cy="2313227"/>
+          </a:xfrm>
+          <a:prstGeom prst="rect">
+            <a:avLst/>
+          </a:prstGeom>
+          <a:ln w="12700">
+            <a:miter lim="400000"/>
+          </a:ln>
+          <a:extLst>
+            <a:ext uri="{C572A759-6A51-4108-AA02-DFA0A04FC94B}">
+              <ma14:wrappingTextBoxFlag xmlns="" xmlns:m="http://schemas.openxmlformats.org/officeDocument/2006/math" xmlns:a14="http://schemas.microsoft.com/office/drawing/2010/main" xmlns:ma14="http://schemas.microsoft.com/office/mac/drawingml/2011/main" val="1"/>
+            </a:ext>
+          </a:extLst>
+        </p:spPr>
+        <p:txBody>
+          <a:bodyPr lIns="71437" tIns="71437" rIns="71437" bIns="71437"/>
+          <a:lstStyle/>
+          <a:p>
+            <a:pPr algn="l">
+              <a:defRPr sz="7000" b="1" cap="all">
+                <a:solidFill>
+                  <a:srgbClr val="253957"/>
+                </a:solidFill>
+                <a:latin typeface="+mn-lt"/>
+                <a:ea typeface="+mn-ea"/>
+                <a:cs typeface="+mn-cs"/>
+                <a:sym typeface="Arial Narrow"/>
+              </a:defRPr>
+            </a:pPr>
+            <a:r>
+              <a:rPr lang="ru-RU" dirty="0"/>
+              <a:t>Векторизация</a:t>
+            </a:r>
+            <a:r>
+              <a:rPr lang="en-US" dirty="0"/>
+              <a:t> </a:t>
+            </a:r>
+            <a:r>
+              <a:rPr lang="ru-RU" dirty="0"/>
+              <a:t>отзывов</a:t>
+            </a:r>
+          </a:p>
+        </p:txBody>
+      </p:sp>
+      <p:sp>
+        <p:nvSpPr>
+          <p:cNvPr id="7" name="TextBox 6">
+            <a:extLst>
+              <a:ext uri="{FF2B5EF4-FFF2-40B4-BE49-F238E27FC236}">
+                <a16:creationId xmlns:a16="http://schemas.microsoft.com/office/drawing/2014/main" id="{61878220-4812-1846-B556-1CC3115621D1}"/>
+              </a:ext>
+            </a:extLst>
+          </p:cNvPr>
+          <p:cNvSpPr txBox="1"/>
+          <p:nvPr/>
+        </p:nvSpPr>
+        <p:spPr>
+          <a:xfrm>
+            <a:off x="598712" y="3043927"/>
+            <a:ext cx="6807705" cy="1015663"/>
+          </a:xfrm>
+          <a:prstGeom prst="rect">
+            <a:avLst/>
+          </a:prstGeom>
+          <a:noFill/>
+        </p:spPr>
+        <p:txBody>
+          <a:bodyPr wrap="square" rtlCol="0">
+            <a:spAutoFit/>
+          </a:bodyPr>
+          <a:lstStyle/>
+          <a:p>
+            <a:pPr algn="l"/>
+            <a:r>
+              <a:rPr lang="ru-RU" sz="6000" cap="all" dirty="0">
+                <a:solidFill>
+                  <a:srgbClr val="253957"/>
+                </a:solidFill>
+                <a:latin typeface="+mn-lt"/>
+                <a:ea typeface="+mn-ea"/>
+                <a:cs typeface="+mn-cs"/>
+              </a:rPr>
+              <a:t>Метод </a:t>
+            </a:r>
+            <a:r>
+              <a:rPr lang="en" sz="6000" cap="all" dirty="0">
+                <a:solidFill>
+                  <a:srgbClr val="253957"/>
+                </a:solidFill>
+                <a:latin typeface="+mn-lt"/>
+                <a:ea typeface="+mn-ea"/>
+                <a:cs typeface="+mn-cs"/>
+              </a:rPr>
+              <a:t>TF-IDF</a:t>
+            </a:r>
+          </a:p>
+        </p:txBody>
+      </p:sp>
+      <p:sp>
+        <p:nvSpPr>
+          <p:cNvPr id="4" name="TextBox 3">
+            <a:extLst>
+              <a:ext uri="{FF2B5EF4-FFF2-40B4-BE49-F238E27FC236}">
+                <a16:creationId xmlns:a16="http://schemas.microsoft.com/office/drawing/2014/main" id="{6DC5EB36-076C-E844-A584-5673345AE5B7}"/>
+              </a:ext>
+            </a:extLst>
+          </p:cNvPr>
+          <p:cNvSpPr txBox="1"/>
+          <p:nvPr/>
+        </p:nvSpPr>
+        <p:spPr>
+          <a:xfrm>
+            <a:off x="885258" y="4873636"/>
+            <a:ext cx="15545162" cy="1806263"/>
+          </a:xfrm>
+          <a:prstGeom prst="rect">
+            <a:avLst/>
+          </a:prstGeom>
+          <a:noFill/>
+          <a:ln w="12700" cap="flat">
+            <a:noFill/>
+            <a:miter lim="400000"/>
+          </a:ln>
+          <a:effectLst/>
+          <a:sp3d/>
+        </p:spPr>
+        <p:style>
+          <a:lnRef idx="0">
+            <a:scrgbClr r="0" g="0" b="0"/>
+          </a:lnRef>
+          <a:fillRef idx="0">
+            <a:scrgbClr r="0" g="0" b="0"/>
+          </a:fillRef>
+          <a:effectRef idx="0">
+            <a:scrgbClr r="0" g="0" b="0"/>
+          </a:effectRef>
+          <a:fontRef idx="none"/>
+        </p:style>
+        <p:txBody>
+          <a:bodyPr rot="0" spcFirstLastPara="1" vertOverflow="overflow" horzOverflow="overflow" vert="horz" wrap="square" lIns="71437" tIns="71437" rIns="71437" bIns="71437" numCol="1" spcCol="38100" rtlCol="0" anchor="ctr">
+            <a:spAutoFit/>
+          </a:bodyPr>
+          <a:lstStyle/>
+          <a:p>
+            <a:pPr algn="l"/>
+            <a:r>
+              <a:rPr lang="ru-RU" sz="3600" dirty="0"/>
+              <a:t>Оценка важности </a:t>
+            </a:r>
+            <a:r>
+              <a:rPr lang="ru-RU" sz="3600" dirty="0">
+                <a:solidFill>
+                  <a:sysClr val="windowText" lastClr="000000"/>
+                </a:solidFill>
+              </a:rPr>
+              <a:t>слова как в контексте рассматриваемого экземпляра документа, так и относительно других документов, находящихся в коллекции</a:t>
+            </a:r>
+            <a:endParaRPr kumimoji="0" lang="ru-RU" sz="3600" b="0" i="0" u="none" strike="noStrike" cap="none" spc="0" normalizeH="0" baseline="0" dirty="0">
+              <a:ln>
+                <a:noFill/>
+              </a:ln>
+              <a:solidFill>
+                <a:srgbClr val="000000"/>
+              </a:solidFill>
+              <a:effectLst/>
+              <a:uFillTx/>
+              <a:latin typeface="+mj-lt"/>
+              <a:ea typeface="+mj-ea"/>
+              <a:cs typeface="+mj-cs"/>
+              <a:sym typeface="Helvetica Light"/>
+            </a:endParaRPr>
+          </a:p>
+        </p:txBody>
+      </p:sp>
+      <mc:AlternateContent xmlns:mc="http://schemas.openxmlformats.org/markup-compatibility/2006">
+        <mc:Choice xmlns:a14="http://schemas.microsoft.com/office/drawing/2010/main" Requires="a14">
+          <p:sp>
+            <p:nvSpPr>
+              <p:cNvPr id="6" name="Прямоугольник 5">
+                <a:extLst>
+                  <a:ext uri="{FF2B5EF4-FFF2-40B4-BE49-F238E27FC236}">
+                    <a16:creationId xmlns:a16="http://schemas.microsoft.com/office/drawing/2014/main" id="{A661E478-D6D1-D149-85CB-1020F3E10479}"/>
+                  </a:ext>
+                </a:extLst>
+              </p:cNvPr>
+              <p:cNvSpPr/>
+              <p:nvPr/>
+            </p:nvSpPr>
+            <p:spPr>
+              <a:xfrm>
+                <a:off x="362080" y="8679297"/>
+                <a:ext cx="5198474" cy="1521763"/>
+              </a:xfrm>
+              <a:prstGeom prst="rect">
+                <a:avLst/>
+              </a:prstGeom>
+            </p:spPr>
+            <p:txBody>
+              <a:bodyPr wrap="none">
+                <a:spAutoFit/>
+              </a:bodyPr>
+              <a:lstStyle/>
+              <a:p>
+                <a14:m>
+                  <m:oMathPara xmlns:m="http://schemas.openxmlformats.org/officeDocument/2006/math">
+                    <m:oMathParaPr>
+                      <m:jc m:val="centerGroup"/>
+                    </m:oMathParaPr>
+                    <m:oMath xmlns:m="http://schemas.openxmlformats.org/officeDocument/2006/math">
+                      <m:r>
+                        <a:rPr lang="en-US" sz="4800" i="1" smtClean="0">
+                          <a:solidFill>
+                            <a:sysClr val="windowText" lastClr="000000"/>
+                          </a:solidFill>
+                          <a:latin typeface="Cambria Math" panose="02040503050406030204" pitchFamily="18" charset="0"/>
+                        </a:rPr>
+                        <m:t>𝑇𝐹</m:t>
+                      </m:r>
+                      <m:d>
+                        <m:dPr>
+                          <m:ctrlPr>
+                            <a:rPr lang="en-US" sz="4800" i="1">
+                              <a:solidFill>
+                                <a:sysClr val="windowText" lastClr="000000"/>
+                              </a:solidFill>
+                              <a:latin typeface="Cambria Math" panose="02040503050406030204" pitchFamily="18" charset="0"/>
+                            </a:rPr>
+                          </m:ctrlPr>
+                        </m:dPr>
+                        <m:e>
+                          <m:r>
+                            <a:rPr lang="en-US" sz="4800" b="0" i="1" smtClean="0">
+                              <a:solidFill>
+                                <a:sysClr val="windowText" lastClr="000000"/>
+                              </a:solidFill>
+                              <a:latin typeface="Cambria Math" panose="02040503050406030204" pitchFamily="18" charset="0"/>
+                            </a:rPr>
+                            <m:t>𝑡</m:t>
+                          </m:r>
+                          <m:r>
+                            <a:rPr lang="en-US" sz="4800" i="1">
+                              <a:solidFill>
+                                <a:sysClr val="windowText" lastClr="000000"/>
+                              </a:solidFill>
+                              <a:latin typeface="Cambria Math" panose="02040503050406030204" pitchFamily="18" charset="0"/>
+                            </a:rPr>
+                            <m:t>,</m:t>
+                          </m:r>
+                          <m:r>
+                            <a:rPr lang="en-US" sz="4800" i="1">
+                              <a:solidFill>
+                                <a:sysClr val="windowText" lastClr="000000"/>
+                              </a:solidFill>
+                              <a:latin typeface="Cambria Math" panose="02040503050406030204" pitchFamily="18" charset="0"/>
+                            </a:rPr>
+                            <m:t>𝑑</m:t>
+                          </m:r>
+                        </m:e>
+                      </m:d>
+                      <m:r>
+                        <a:rPr lang="en-US" sz="4800" i="1">
+                          <a:solidFill>
+                            <a:sysClr val="windowText" lastClr="000000"/>
+                          </a:solidFill>
+                          <a:latin typeface="Cambria Math" panose="02040503050406030204" pitchFamily="18" charset="0"/>
+                        </a:rPr>
+                        <m:t>=</m:t>
+                      </m:r>
+                      <m:f>
+                        <m:fPr>
+                          <m:ctrlPr>
+                            <a:rPr lang="en-US" sz="4800" i="1">
+                              <a:solidFill>
+                                <a:sysClr val="windowText" lastClr="000000"/>
+                              </a:solidFill>
+                              <a:latin typeface="Cambria Math" panose="02040503050406030204" pitchFamily="18" charset="0"/>
+                            </a:rPr>
+                          </m:ctrlPr>
+                        </m:fPr>
+                        <m:num>
+                          <m:sSub>
+                            <m:sSubPr>
+                              <m:ctrlPr>
+                                <a:rPr lang="en-US" sz="4800" b="0" i="1" smtClean="0">
+                                  <a:solidFill>
+                                    <a:sysClr val="windowText" lastClr="000000"/>
+                                  </a:solidFill>
+                                  <a:latin typeface="Cambria Math" panose="02040503050406030204" pitchFamily="18" charset="0"/>
+                                </a:rPr>
+                              </m:ctrlPr>
+                            </m:sSubPr>
+                            <m:e>
+                              <m:r>
+                                <a:rPr lang="en-US" sz="4800" b="0" i="1" smtClean="0">
+                                  <a:solidFill>
+                                    <a:sysClr val="windowText" lastClr="000000"/>
+                                  </a:solidFill>
+                                  <a:latin typeface="Cambria Math" panose="02040503050406030204" pitchFamily="18" charset="0"/>
+                                </a:rPr>
+                                <m:t>𝑛</m:t>
+                              </m:r>
+                            </m:e>
+                            <m:sub>
+                              <m:r>
+                                <a:rPr lang="en-US" sz="4800" b="0" i="1" smtClean="0">
+                                  <a:solidFill>
+                                    <a:sysClr val="windowText" lastClr="000000"/>
+                                  </a:solidFill>
+                                  <a:latin typeface="Cambria Math" panose="02040503050406030204" pitchFamily="18" charset="0"/>
+                                </a:rPr>
+                                <m:t>𝑡</m:t>
+                              </m:r>
+                            </m:sub>
+                          </m:sSub>
+                        </m:num>
+                        <m:den>
+                          <m:nary>
+                            <m:naryPr>
+                              <m:chr m:val="∑"/>
+                              <m:limLoc m:val="subSup"/>
+                              <m:supHide m:val="on"/>
+                              <m:ctrlPr>
+                                <a:rPr lang="en-US" sz="4800" i="1">
+                                  <a:solidFill>
+                                    <a:sysClr val="windowText" lastClr="000000"/>
+                                  </a:solidFill>
+                                  <a:latin typeface="Cambria Math" panose="02040503050406030204" pitchFamily="18" charset="0"/>
+                                </a:rPr>
+                              </m:ctrlPr>
+                            </m:naryPr>
+                            <m:sub>
+                              <m:r>
+                                <m:rPr>
+                                  <m:brk m:alnAt="9"/>
+                                </m:rPr>
+                                <a:rPr lang="en-US" sz="4800" i="1">
+                                  <a:solidFill>
+                                    <a:sysClr val="windowText" lastClr="000000"/>
+                                  </a:solidFill>
+                                  <a:latin typeface="Cambria Math" panose="02040503050406030204" pitchFamily="18" charset="0"/>
+                                </a:rPr>
+                                <m:t>𝑘</m:t>
+                              </m:r>
+                            </m:sub>
+                            <m:sup/>
+                            <m:e>
+                              <m:d>
+                                <m:dPr>
+                                  <m:ctrlPr>
+                                    <a:rPr lang="en-US" sz="4800" i="1">
+                                      <a:solidFill>
+                                        <a:sysClr val="windowText" lastClr="000000"/>
+                                      </a:solidFill>
+                                      <a:latin typeface="Cambria Math" panose="02040503050406030204" pitchFamily="18" charset="0"/>
+                                    </a:rPr>
+                                  </m:ctrlPr>
+                                </m:dPr>
+                                <m:e>
+                                  <m:sSub>
+                                    <m:sSubPr>
+                                      <m:ctrlPr>
+                                        <a:rPr lang="en-US" sz="4800" i="1">
+                                          <a:solidFill>
+                                            <a:sysClr val="windowText" lastClr="000000"/>
+                                          </a:solidFill>
+                                          <a:latin typeface="Cambria Math" panose="02040503050406030204" pitchFamily="18" charset="0"/>
+                                        </a:rPr>
+                                      </m:ctrlPr>
+                                    </m:sSubPr>
+                                    <m:e>
+                                      <m:r>
+                                        <a:rPr lang="en-US" sz="4800" i="1">
+                                          <a:solidFill>
+                                            <a:sysClr val="windowText" lastClr="000000"/>
+                                          </a:solidFill>
+                                          <a:latin typeface="Cambria Math" panose="02040503050406030204" pitchFamily="18" charset="0"/>
+                                        </a:rPr>
+                                        <m:t>𝑛</m:t>
+                                      </m:r>
+                                    </m:e>
+                                    <m:sub>
+                                      <m:r>
+                                        <a:rPr lang="en-US" sz="4800" i="1">
+                                          <a:solidFill>
+                                            <a:sysClr val="windowText" lastClr="000000"/>
+                                          </a:solidFill>
+                                          <a:latin typeface="Cambria Math" panose="02040503050406030204" pitchFamily="18" charset="0"/>
+                                        </a:rPr>
+                                        <m:t>𝑘</m:t>
+                                      </m:r>
+                                    </m:sub>
+                                  </m:sSub>
+                                </m:e>
+                              </m:d>
+                            </m:e>
+                          </m:nary>
+                        </m:den>
+                      </m:f>
+                    </m:oMath>
+                  </m:oMathPara>
+                </a14:m>
+                <a:endParaRPr lang="ru-RU" sz="4800" dirty="0"/>
+              </a:p>
+            </p:txBody>
+          </p:sp>
+        </mc:Choice>
+        <mc:Fallback>
+          <p:sp>
+            <p:nvSpPr>
+              <p:cNvPr id="6" name="Прямоугольник 5">
+                <a:extLst>
+                  <a:ext uri="{FF2B5EF4-FFF2-40B4-BE49-F238E27FC236}">
+                    <a16:creationId xmlns:a16="http://schemas.microsoft.com/office/drawing/2014/main" id="{A661E478-D6D1-D149-85CB-1020F3E10479}"/>
+                  </a:ext>
+                </a:extLst>
+              </p:cNvPr>
+              <p:cNvSpPr>
+                <a:spLocks noRot="1" noChangeAspect="1" noMove="1" noResize="1" noEditPoints="1" noAdjustHandles="1" noChangeArrowheads="1" noChangeShapeType="1" noTextEdit="1"/>
+              </p:cNvSpPr>
+              <p:nvPr/>
+            </p:nvSpPr>
+            <p:spPr>
+              <a:xfrm>
+                <a:off x="362080" y="8679297"/>
+                <a:ext cx="5198474" cy="1521763"/>
+              </a:xfrm>
+              <a:prstGeom prst="rect">
+                <a:avLst/>
+              </a:prstGeom>
+              <a:blipFill>
+                <a:blip r:embed="rId3"/>
+                <a:stretch>
+                  <a:fillRect l="-1707" t="-36364" b="-119008"/>
+                </a:stretch>
+              </a:blipFill>
+            </p:spPr>
+            <p:txBody>
+              <a:bodyPr/>
+              <a:lstStyle/>
+              <a:p>
+                <a:r>
+                  <a:rPr lang="ru-RU">
+                    <a:noFill/>
+                  </a:rPr>
+                  <a:t> </a:t>
+                </a:r>
+              </a:p>
+            </p:txBody>
+          </p:sp>
+        </mc:Fallback>
+      </mc:AlternateContent>
+      <mc:AlternateContent xmlns:mc="http://schemas.openxmlformats.org/markup-compatibility/2006">
+        <mc:Choice xmlns:a14="http://schemas.microsoft.com/office/drawing/2010/main" Requires="a14">
+          <p:sp>
+            <p:nvSpPr>
+              <p:cNvPr id="11" name="Прямоугольник 10">
+                <a:extLst>
+                  <a:ext uri="{FF2B5EF4-FFF2-40B4-BE49-F238E27FC236}">
+                    <a16:creationId xmlns:a16="http://schemas.microsoft.com/office/drawing/2014/main" id="{D9F1038B-55FD-BA41-8EFB-04B8A9D06F97}"/>
+                  </a:ext>
+                </a:extLst>
+              </p:cNvPr>
+              <p:cNvSpPr/>
+              <p:nvPr/>
+            </p:nvSpPr>
+            <p:spPr>
+              <a:xfrm>
+                <a:off x="7404965" y="7190276"/>
+                <a:ext cx="8554650" cy="769441"/>
+              </a:xfrm>
+              <a:prstGeom prst="rect">
+                <a:avLst/>
+              </a:prstGeom>
+            </p:spPr>
+            <p:txBody>
+              <a:bodyPr wrap="none">
+                <a:spAutoFit/>
+              </a:bodyPr>
+              <a:lstStyle/>
+              <a:p>
+                <a14:m>
+                  <m:oMathPara xmlns:m="http://schemas.openxmlformats.org/officeDocument/2006/math">
+                    <m:oMathParaPr>
+                      <m:jc m:val="centerGroup"/>
+                    </m:oMathParaPr>
+                    <m:oMath xmlns:m="http://schemas.openxmlformats.org/officeDocument/2006/math">
+                      <m:r>
+                        <a:rPr lang="en-US" sz="4400" b="0" i="1" smtClean="0">
+                          <a:latin typeface="Cambria Math" panose="02040503050406030204" pitchFamily="18" charset="0"/>
+                        </a:rPr>
+                        <m:t>𝑇𝐹</m:t>
+                      </m:r>
+                      <m:r>
+                        <a:rPr lang="en-US" sz="4400" b="0" i="1" smtClean="0">
+                          <a:latin typeface="Cambria Math" panose="02040503050406030204" pitchFamily="18" charset="0"/>
+                        </a:rPr>
+                        <m:t>−</m:t>
+                      </m:r>
+                      <m:r>
+                        <a:rPr lang="en-US" sz="4400" b="0" i="1" smtClean="0">
+                          <a:latin typeface="Cambria Math" panose="02040503050406030204" pitchFamily="18" charset="0"/>
+                        </a:rPr>
+                        <m:t>𝐼𝐷𝐹</m:t>
+                      </m:r>
+                      <m:d>
+                        <m:dPr>
+                          <m:ctrlPr>
+                            <a:rPr lang="en-US" sz="4400" b="0" i="1" smtClean="0">
+                              <a:latin typeface="Cambria Math" panose="02040503050406030204" pitchFamily="18" charset="0"/>
+                            </a:rPr>
+                          </m:ctrlPr>
+                        </m:dPr>
+                        <m:e>
+                          <m:r>
+                            <a:rPr lang="en-US" sz="4400" b="0" i="1" smtClean="0">
+                              <a:latin typeface="Cambria Math" panose="02040503050406030204" pitchFamily="18" charset="0"/>
+                            </a:rPr>
+                            <m:t>𝑡</m:t>
+                          </m:r>
+                          <m:r>
+                            <a:rPr lang="en-US" sz="4400" b="0" i="1" smtClean="0">
+                              <a:latin typeface="Cambria Math" panose="02040503050406030204" pitchFamily="18" charset="0"/>
+                            </a:rPr>
+                            <m:t>,</m:t>
+                          </m:r>
+                          <m:r>
+                            <a:rPr lang="en-US" sz="4400" b="0" i="1" smtClean="0">
+                              <a:latin typeface="Cambria Math" panose="02040503050406030204" pitchFamily="18" charset="0"/>
+                            </a:rPr>
+                            <m:t>𝑑</m:t>
+                          </m:r>
+                        </m:e>
+                      </m:d>
+                      <m:r>
+                        <a:rPr lang="en-US" sz="4400" b="0" i="1" smtClean="0">
+                          <a:latin typeface="Cambria Math" panose="02040503050406030204" pitchFamily="18" charset="0"/>
+                        </a:rPr>
+                        <m:t>=</m:t>
+                      </m:r>
+                      <m:r>
+                        <a:rPr lang="en-US" sz="4400" b="0" i="1" smtClean="0">
+                          <a:latin typeface="Cambria Math" panose="02040503050406030204" pitchFamily="18" charset="0"/>
+                        </a:rPr>
+                        <m:t>𝑡𝑓</m:t>
+                      </m:r>
+                      <m:d>
+                        <m:dPr>
+                          <m:ctrlPr>
+                            <a:rPr lang="en-US" sz="4400" b="0" i="1" smtClean="0">
+                              <a:latin typeface="Cambria Math" panose="02040503050406030204" pitchFamily="18" charset="0"/>
+                            </a:rPr>
+                          </m:ctrlPr>
+                        </m:dPr>
+                        <m:e>
+                          <m:r>
+                            <a:rPr lang="en-US" sz="4400" b="0" i="1" smtClean="0">
+                              <a:latin typeface="Cambria Math" panose="02040503050406030204" pitchFamily="18" charset="0"/>
+                            </a:rPr>
+                            <m:t>𝑡</m:t>
+                          </m:r>
+                          <m:r>
+                            <a:rPr lang="en-US" sz="4400" b="0" i="1" smtClean="0">
+                              <a:latin typeface="Cambria Math" panose="02040503050406030204" pitchFamily="18" charset="0"/>
+                            </a:rPr>
+                            <m:t>,</m:t>
+                          </m:r>
+                          <m:r>
+                            <a:rPr lang="en-US" sz="4400" b="0" i="1" smtClean="0">
+                              <a:latin typeface="Cambria Math" panose="02040503050406030204" pitchFamily="18" charset="0"/>
+                            </a:rPr>
+                            <m:t>𝑑</m:t>
+                          </m:r>
+                        </m:e>
+                      </m:d>
+                      <m:r>
+                        <a:rPr lang="en-US" sz="4400" b="0" i="1" smtClean="0">
+                          <a:latin typeface="Cambria Math" panose="02040503050406030204" pitchFamily="18" charset="0"/>
+                        </a:rPr>
+                        <m:t>∗</m:t>
+                      </m:r>
+                      <m:r>
+                        <a:rPr lang="en-US" sz="4400" b="0" i="1" smtClean="0">
+                          <a:latin typeface="Cambria Math" panose="02040503050406030204" pitchFamily="18" charset="0"/>
+                        </a:rPr>
+                        <m:t>𝑖𝑑𝑓</m:t>
+                      </m:r>
+                      <m:r>
+                        <a:rPr lang="en-US" sz="4400" b="0" i="1" smtClean="0">
+                          <a:latin typeface="Cambria Math" panose="02040503050406030204" pitchFamily="18" charset="0"/>
+                        </a:rPr>
+                        <m:t>(</m:t>
+                      </m:r>
+                      <m:r>
+                        <a:rPr lang="en-US" sz="4400" b="0" i="1" smtClean="0">
+                          <a:latin typeface="Cambria Math" panose="02040503050406030204" pitchFamily="18" charset="0"/>
+                        </a:rPr>
+                        <m:t>𝑡</m:t>
+                      </m:r>
+                      <m:r>
+                        <a:rPr lang="en-US" sz="4400" b="0" i="1" smtClean="0">
+                          <a:latin typeface="Cambria Math" panose="02040503050406030204" pitchFamily="18" charset="0"/>
+                        </a:rPr>
+                        <m:t>)</m:t>
+                      </m:r>
+                    </m:oMath>
+                  </m:oMathPara>
+                </a14:m>
+                <a:endParaRPr lang="ru-RU" sz="4400" dirty="0"/>
+              </a:p>
+            </p:txBody>
+          </p:sp>
+        </mc:Choice>
+        <mc:Fallback>
+          <p:sp>
+            <p:nvSpPr>
+              <p:cNvPr id="11" name="Прямоугольник 10">
+                <a:extLst>
+                  <a:ext uri="{FF2B5EF4-FFF2-40B4-BE49-F238E27FC236}">
+                    <a16:creationId xmlns:a16="http://schemas.microsoft.com/office/drawing/2014/main" id="{D9F1038B-55FD-BA41-8EFB-04B8A9D06F97}"/>
+                  </a:ext>
+                </a:extLst>
+              </p:cNvPr>
+              <p:cNvSpPr>
+                <a:spLocks noRot="1" noChangeAspect="1" noMove="1" noResize="1" noEditPoints="1" noAdjustHandles="1" noChangeArrowheads="1" noChangeShapeType="1" noTextEdit="1"/>
+              </p:cNvSpPr>
+              <p:nvPr/>
+            </p:nvSpPr>
+            <p:spPr>
+              <a:xfrm>
+                <a:off x="7404965" y="7190276"/>
+                <a:ext cx="8554650" cy="769441"/>
+              </a:xfrm>
+              <a:prstGeom prst="rect">
+                <a:avLst/>
+              </a:prstGeom>
+              <a:blipFill>
+                <a:blip r:embed="rId4"/>
+                <a:stretch>
+                  <a:fillRect l="-593" b="-22581"/>
+                </a:stretch>
+              </a:blipFill>
+            </p:spPr>
+            <p:txBody>
+              <a:bodyPr/>
+              <a:lstStyle/>
+              <a:p>
+                <a:r>
+                  <a:rPr lang="ru-RU">
+                    <a:noFill/>
+                  </a:rPr>
+                  <a:t> </a:t>
+                </a:r>
+              </a:p>
+            </p:txBody>
+          </p:sp>
+        </mc:Fallback>
+      </mc:AlternateContent>
+      <mc:AlternateContent xmlns:mc="http://schemas.openxmlformats.org/markup-compatibility/2006">
+        <mc:Choice xmlns:a14="http://schemas.microsoft.com/office/drawing/2010/main" Requires="a14">
+          <p:sp>
+            <p:nvSpPr>
+              <p:cNvPr id="12" name="Прямоугольник 11">
+                <a:extLst>
+                  <a:ext uri="{FF2B5EF4-FFF2-40B4-BE49-F238E27FC236}">
+                    <a16:creationId xmlns:a16="http://schemas.microsoft.com/office/drawing/2014/main" id="{BF951E7D-77CE-6E4E-B1CA-517546F3131A}"/>
+                  </a:ext>
+                </a:extLst>
+              </p:cNvPr>
+              <p:cNvSpPr/>
+              <p:nvPr/>
+            </p:nvSpPr>
+            <p:spPr>
+              <a:xfrm>
+                <a:off x="362080" y="11088847"/>
+                <a:ext cx="7280968" cy="1611082"/>
+              </a:xfrm>
+              <a:prstGeom prst="rect">
+                <a:avLst/>
+              </a:prstGeom>
+            </p:spPr>
+            <p:txBody>
+              <a:bodyPr wrap="none">
+                <a:spAutoFit/>
+              </a:bodyPr>
+              <a:lstStyle/>
+              <a:p>
+                <a14:m>
+                  <m:oMathPara xmlns:m="http://schemas.openxmlformats.org/officeDocument/2006/math">
+                    <m:oMathParaPr>
+                      <m:jc m:val="centerGroup"/>
+                    </m:oMathParaPr>
+                    <m:oMath xmlns:m="http://schemas.openxmlformats.org/officeDocument/2006/math">
+                      <m:r>
+                        <a:rPr lang="en-US" sz="4800" b="0" i="1" smtClean="0">
+                          <a:solidFill>
+                            <a:sysClr val="windowText" lastClr="000000"/>
+                          </a:solidFill>
+                          <a:latin typeface="Cambria Math" panose="02040503050406030204" pitchFamily="18" charset="0"/>
+                        </a:rPr>
+                        <m:t>𝐼𝐷𝐹</m:t>
+                      </m:r>
+                      <m:d>
+                        <m:dPr>
+                          <m:ctrlPr>
+                            <a:rPr lang="en-US" sz="4800" i="1">
+                              <a:solidFill>
+                                <a:sysClr val="windowText" lastClr="000000"/>
+                              </a:solidFill>
+                              <a:latin typeface="Cambria Math" panose="02040503050406030204" pitchFamily="18" charset="0"/>
+                            </a:rPr>
+                          </m:ctrlPr>
+                        </m:dPr>
+                        <m:e>
+                          <m:r>
+                            <a:rPr lang="en-US" sz="4800" b="0" i="1" smtClean="0">
+                              <a:solidFill>
+                                <a:sysClr val="windowText" lastClr="000000"/>
+                              </a:solidFill>
+                              <a:latin typeface="Cambria Math" panose="02040503050406030204" pitchFamily="18" charset="0"/>
+                            </a:rPr>
+                            <m:t>𝑡</m:t>
+                          </m:r>
+                        </m:e>
+                      </m:d>
+                      <m:r>
+                        <a:rPr lang="en-US" sz="4800" i="1">
+                          <a:solidFill>
+                            <a:sysClr val="windowText" lastClr="000000"/>
+                          </a:solidFill>
+                          <a:latin typeface="Cambria Math" panose="02040503050406030204" pitchFamily="18" charset="0"/>
+                        </a:rPr>
+                        <m:t>=</m:t>
+                      </m:r>
+                      <m:r>
+                        <a:rPr lang="en-US" sz="4800" b="0" i="1" smtClean="0">
+                          <a:solidFill>
+                            <a:sysClr val="windowText" lastClr="000000"/>
+                          </a:solidFill>
+                          <a:latin typeface="Cambria Math" panose="02040503050406030204" pitchFamily="18" charset="0"/>
+                        </a:rPr>
+                        <m:t>𝑙𝑛</m:t>
+                      </m:r>
+                      <m:f>
+                        <m:fPr>
+                          <m:ctrlPr>
+                            <a:rPr lang="en-US" sz="4800" i="1">
+                              <a:solidFill>
+                                <a:sysClr val="windowText" lastClr="000000"/>
+                              </a:solidFill>
+                              <a:latin typeface="Cambria Math" panose="02040503050406030204" pitchFamily="18" charset="0"/>
+                            </a:rPr>
+                          </m:ctrlPr>
+                        </m:fPr>
+                        <m:num>
+                          <m:r>
+                            <a:rPr lang="en-US" sz="4800" b="0" i="1" smtClean="0">
+                              <a:solidFill>
+                                <a:sysClr val="windowText" lastClr="000000"/>
+                              </a:solidFill>
+                              <a:latin typeface="Cambria Math" panose="02040503050406030204" pitchFamily="18" charset="0"/>
+                            </a:rPr>
+                            <m:t>1+</m:t>
+                          </m:r>
+                          <m:r>
+                            <a:rPr lang="en-US" sz="4800" b="0" i="1" smtClean="0">
+                              <a:solidFill>
+                                <a:sysClr val="windowText" lastClr="000000"/>
+                              </a:solidFill>
+                              <a:latin typeface="Cambria Math" panose="02040503050406030204" pitchFamily="18" charset="0"/>
+                            </a:rPr>
+                            <m:t>𝑛</m:t>
+                          </m:r>
+                        </m:num>
+                        <m:den>
+                          <m:r>
+                            <a:rPr lang="en-US" sz="4800" b="0" i="1" smtClean="0">
+                              <a:solidFill>
+                                <a:sysClr val="windowText" lastClr="000000"/>
+                              </a:solidFill>
+                              <a:latin typeface="Cambria Math" panose="02040503050406030204" pitchFamily="18" charset="0"/>
+                            </a:rPr>
+                            <m:t>1+</m:t>
+                          </m:r>
+                          <m:r>
+                            <a:rPr lang="en-US" sz="4800" b="0" i="1" smtClean="0">
+                              <a:solidFill>
+                                <a:sysClr val="windowText" lastClr="000000"/>
+                              </a:solidFill>
+                              <a:latin typeface="Cambria Math" panose="02040503050406030204" pitchFamily="18" charset="0"/>
+                            </a:rPr>
+                            <m:t>𝑑𝑓</m:t>
+                          </m:r>
+                          <m:r>
+                            <a:rPr lang="en-US" sz="4800" b="0" i="1" smtClean="0">
+                              <a:solidFill>
+                                <a:sysClr val="windowText" lastClr="000000"/>
+                              </a:solidFill>
+                              <a:latin typeface="Cambria Math" panose="02040503050406030204" pitchFamily="18" charset="0"/>
+                            </a:rPr>
+                            <m:t>(</m:t>
+                          </m:r>
+                          <m:r>
+                            <a:rPr lang="en-US" sz="4800" b="0" i="1" smtClean="0">
+                              <a:solidFill>
+                                <a:sysClr val="windowText" lastClr="000000"/>
+                              </a:solidFill>
+                              <a:latin typeface="Cambria Math" panose="02040503050406030204" pitchFamily="18" charset="0"/>
+                            </a:rPr>
+                            <m:t>𝑡</m:t>
+                          </m:r>
+                          <m:r>
+                            <a:rPr lang="en-US" sz="4800" b="0" i="1" smtClean="0">
+                              <a:solidFill>
+                                <a:sysClr val="windowText" lastClr="000000"/>
+                              </a:solidFill>
+                              <a:latin typeface="Cambria Math" panose="02040503050406030204" pitchFamily="18" charset="0"/>
+                            </a:rPr>
+                            <m:t>)</m:t>
+                          </m:r>
+                        </m:den>
+                      </m:f>
+                      <m:r>
+                        <a:rPr lang="en-US" sz="4800" b="0" i="1" smtClean="0">
+                          <a:solidFill>
+                            <a:sysClr val="windowText" lastClr="000000"/>
+                          </a:solidFill>
+                          <a:latin typeface="Cambria Math" panose="02040503050406030204" pitchFamily="18" charset="0"/>
+                        </a:rPr>
+                        <m:t>+1</m:t>
+                      </m:r>
+                    </m:oMath>
+                  </m:oMathPara>
+                </a14:m>
+                <a:endParaRPr lang="ru-RU" sz="4800" dirty="0"/>
+              </a:p>
+            </p:txBody>
+          </p:sp>
+        </mc:Choice>
+        <mc:Fallback>
+          <p:sp>
+            <p:nvSpPr>
+              <p:cNvPr id="12" name="Прямоугольник 11">
+                <a:extLst>
+                  <a:ext uri="{FF2B5EF4-FFF2-40B4-BE49-F238E27FC236}">
+                    <a16:creationId xmlns:a16="http://schemas.microsoft.com/office/drawing/2014/main" id="{BF951E7D-77CE-6E4E-B1CA-517546F3131A}"/>
+                  </a:ext>
+                </a:extLst>
+              </p:cNvPr>
+              <p:cNvSpPr>
+                <a:spLocks noRot="1" noChangeAspect="1" noMove="1" noResize="1" noEditPoints="1" noAdjustHandles="1" noChangeArrowheads="1" noChangeShapeType="1" noTextEdit="1"/>
+              </p:cNvSpPr>
+              <p:nvPr/>
+            </p:nvSpPr>
+            <p:spPr>
+              <a:xfrm>
+                <a:off x="362080" y="11088847"/>
+                <a:ext cx="7280968" cy="1611082"/>
+              </a:xfrm>
+              <a:prstGeom prst="rect">
+                <a:avLst/>
+              </a:prstGeom>
+              <a:blipFill>
+                <a:blip r:embed="rId5"/>
+                <a:stretch>
+                  <a:fillRect l="-1045" b="-13281"/>
+                </a:stretch>
+              </a:blipFill>
+            </p:spPr>
+            <p:txBody>
+              <a:bodyPr/>
+              <a:lstStyle/>
+              <a:p>
+                <a:r>
+                  <a:rPr lang="ru-RU">
+                    <a:noFill/>
+                  </a:rPr>
+                  <a:t> </a:t>
+                </a:r>
+              </a:p>
+            </p:txBody>
+          </p:sp>
+        </mc:Fallback>
+      </mc:AlternateContent>
+      <p:pic>
+        <p:nvPicPr>
+          <p:cNvPr id="9" name="Рисунок 8">
+            <a:extLst>
+              <a:ext uri="{FF2B5EF4-FFF2-40B4-BE49-F238E27FC236}">
+                <a16:creationId xmlns:a16="http://schemas.microsoft.com/office/drawing/2014/main" id="{DBA6B5B9-DBDB-C542-8AA3-67B6147A3F3E}"/>
+              </a:ext>
+            </a:extLst>
+          </p:cNvPr>
+          <p:cNvPicPr>
+            <a:picLocks noChangeAspect="1"/>
+          </p:cNvPicPr>
+          <p:nvPr/>
+        </p:nvPicPr>
+        <p:blipFill>
+          <a:blip r:embed="rId6"/>
+          <a:stretch>
+            <a:fillRect/>
+          </a:stretch>
+        </p:blipFill>
+        <p:spPr>
+          <a:xfrm>
+            <a:off x="6601801" y="8828111"/>
+            <a:ext cx="14689632" cy="1224136"/>
+          </a:xfrm>
+          <a:prstGeom prst="rect">
+            <a:avLst/>
+          </a:prstGeom>
+        </p:spPr>
+      </p:pic>
+      <p:pic>
+        <p:nvPicPr>
+          <p:cNvPr id="10" name="Рисунок 9">
+            <a:extLst>
+              <a:ext uri="{FF2B5EF4-FFF2-40B4-BE49-F238E27FC236}">
+                <a16:creationId xmlns:a16="http://schemas.microsoft.com/office/drawing/2014/main" id="{6758C3F4-B13C-C146-ABDD-CE7EC00E020D}"/>
+              </a:ext>
+            </a:extLst>
+          </p:cNvPr>
+          <p:cNvPicPr>
+            <a:picLocks noChangeAspect="1"/>
+          </p:cNvPicPr>
+          <p:nvPr/>
+        </p:nvPicPr>
+        <p:blipFill>
+          <a:blip r:embed="rId7"/>
+          <a:stretch>
+            <a:fillRect/>
+          </a:stretch>
+        </p:blipFill>
+        <p:spPr>
+          <a:xfrm>
+            <a:off x="7635499" y="10933810"/>
+            <a:ext cx="14149538" cy="1886605"/>
+          </a:xfrm>
+          <a:prstGeom prst="rect">
+            <a:avLst/>
+          </a:prstGeom>
+        </p:spPr>
+      </p:pic>
+    </p:spTree>
+    <p:extLst>
+      <p:ext uri="{BB962C8B-B14F-4D97-AF65-F5344CB8AC3E}">
+        <p14:creationId xmlns:p14="http://schemas.microsoft.com/office/powerpoint/2010/main" val="4260456563"/>
+      </p:ext>
+    </p:extLst>
+  </p:cSld>
+  <p:clrMapOvr>
+    <a:masterClrMapping/>
+  </p:clrMapOvr>
+  <p:transition spd="med"/>
+  <p:timing>
+    <p:tnLst>
+      <p:par>
+        <p:cTn id="1" dur="indefinite" restart="never" nodeType="tmRoot">
+          <p:childTnLst>
+            <p:seq concurrent="1" nextAc="seek">
+              <p:cTn id="2" dur="indefinite" nodeType="mainSeq">
+                <p:childTnLst>
+                  <p:par>
+                    <p:cTn id="3" fill="hold">
+                      <p:stCondLst>
+                        <p:cond delay="indefinite"/>
+                        <p:cond evt="onBegin" delay="0">
+                          <p:tn val="2"/>
+                        </p:cond>
+                      </p:stCondLst>
+                      <p:childTnLst>
+                        <p:par>
+                          <p:cTn id="4" fill="hold">
+                            <p:stCondLst>
+                              <p:cond delay="0"/>
+                            </p:stCondLst>
+                            <p:childTnLst>
+                              <p:par>
+                                <p:cTn id="5" presetID="22" presetClass="entr" presetSubtype="8" fill="hold" grpId="0" nodeType="afterEffect">
+                                  <p:stCondLst>
+                                    <p:cond delay="0"/>
+                                  </p:stCondLst>
+                                  <p:childTnLst>
+                                    <p:set>
+                                      <p:cBhvr>
+                                        <p:cTn id="6" dur="1" fill="hold">
+                                          <p:stCondLst>
+                                            <p:cond delay="0"/>
+                                          </p:stCondLst>
+                                        </p:cTn>
+                                        <p:tgtEl>
+                                          <p:spTgt spid="7"/>
+                                        </p:tgtEl>
+                                        <p:attrNameLst>
+                                          <p:attrName>style.visibility</p:attrName>
+                                        </p:attrNameLst>
+                                      </p:cBhvr>
+                                      <p:to>
+                                        <p:strVal val="visible"/>
+                                      </p:to>
+                                    </p:set>
+                                    <p:animEffect transition="in" filter="wipe(left)">
+                                      <p:cBhvr>
+                                        <p:cTn id="7" dur="500"/>
+                                        <p:tgtEl>
+                                          <p:spTgt spid="7"/>
+                                        </p:tgtEl>
+                                      </p:cBhvr>
+                                    </p:animEffect>
+                                  </p:childTnLst>
+                                </p:cTn>
+                              </p:par>
+                            </p:childTnLst>
+                          </p:cTn>
+                        </p:par>
+                      </p:childTnLst>
+                    </p:cTn>
+                  </p:par>
+                </p:childTnLst>
+              </p:cTn>
+              <p:prevCondLst>
+                <p:cond evt="onPrev" delay="0">
+                  <p:tgtEl>
+                    <p:sldTgt/>
+                  </p:tgtEl>
+                </p:cond>
+              </p:prevCondLst>
+              <p:nextCondLst>
+                <p:cond evt="onNext" delay="0">
+                  <p:tgtEl>
+                    <p:sldTgt/>
+                  </p:tgtEl>
+                </p:cond>
+              </p:nextCondLst>
+            </p:seq>
+          </p:childTnLst>
+        </p:cTn>
+      </p:par>
+    </p:tnLst>
+    <p:bldLst>
+      <p:bldP spid="7" grpId="0"/>
+    </p:bldLst>
+  </p:timing>
+</p:sld>
+</file>
+
 <file path=ppt/slides/slide2.xml><?xml version="1.0" encoding="utf-8"?>
 <p:sld xmlns:a="http://schemas.openxmlformats.org/drawingml/2006/main" xmlns:r="http://schemas.openxmlformats.org/officeDocument/2006/relationships" xmlns:p="http://schemas.openxmlformats.org/presentationml/2006/main">
   <p:cSld>
@@ -6134,7 +7761,7 @@
         </p:nvSpPr>
         <p:spPr>
           <a:xfrm>
-            <a:off x="3870314" y="7180000"/>
+            <a:off x="3868007" y="7010009"/>
             <a:ext cx="21360087" cy="2886113"/>
           </a:xfrm>
           <a:prstGeom prst="rect">
@@ -6145,7 +7772,7 @@
           </a:ln>
           <a:extLst>
             <a:ext uri="{C572A759-6A51-4108-AA02-DFA0A04FC94B}">
-              <ma14:wrappingTextBoxFlag xmlns:ma14="http://schemas.microsoft.com/office/mac/drawingml/2011/main" xmlns:a14="http://schemas.microsoft.com/office/drawing/2010/main" xmlns:m="http://schemas.openxmlformats.org/officeDocument/2006/math" xmlns="" val="1"/>
+              <ma14:wrappingTextBoxFlag xmlns="" xmlns:m="http://schemas.openxmlformats.org/officeDocument/2006/math" xmlns:a14="http://schemas.microsoft.com/office/drawing/2010/main" xmlns:ma14="http://schemas.microsoft.com/office/mac/drawingml/2011/main" val="1"/>
             </a:ext>
           </a:extLst>
         </p:spPr>
@@ -6222,7 +7849,7 @@
           </a:ln>
           <a:extLst>
             <a:ext uri="{C572A759-6A51-4108-AA02-DFA0A04FC94B}">
-              <ma14:wrappingTextBoxFlag xmlns:ma14="http://schemas.microsoft.com/office/mac/drawingml/2011/main" xmlns:a14="http://schemas.microsoft.com/office/drawing/2010/main" xmlns:m="http://schemas.openxmlformats.org/officeDocument/2006/math" xmlns="" val="1"/>
+              <ma14:wrappingTextBoxFlag xmlns="" xmlns:m="http://schemas.openxmlformats.org/officeDocument/2006/math" xmlns:a14="http://schemas.microsoft.com/office/drawing/2010/main" xmlns:ma14="http://schemas.microsoft.com/office/mac/drawingml/2011/main" val="1"/>
             </a:ext>
           </a:extLst>
         </p:spPr>
@@ -6242,53 +7869,6 @@
               </a:defRPr>
             </a:pPr>
             <a:endParaRPr dirty="0"/>
-          </a:p>
-        </p:txBody>
-      </p:sp>
-      <p:sp>
-        <p:nvSpPr>
-          <p:cNvPr id="62" name="Название подразделения, лаборатории, факультета и т.д."/>
-          <p:cNvSpPr txBox="1"/>
-          <p:nvPr/>
-        </p:nvSpPr>
-        <p:spPr>
-          <a:xfrm>
-            <a:off x="11338744" y="956276"/>
-            <a:ext cx="11366416" cy="485776"/>
-          </a:xfrm>
-          <a:prstGeom prst="rect">
-            <a:avLst/>
-          </a:prstGeom>
-          <a:ln w="12700">
-            <a:miter lim="400000"/>
-          </a:ln>
-          <a:extLst>
-            <a:ext uri="{C572A759-6A51-4108-AA02-DFA0A04FC94B}">
-              <ma14:wrappingTextBoxFlag xmlns:ma14="http://schemas.microsoft.com/office/mac/drawingml/2011/main" xmlns:a14="http://schemas.microsoft.com/office/drawing/2010/main" xmlns:m="http://schemas.openxmlformats.org/officeDocument/2006/math" xmlns="" val="1"/>
-            </a:ext>
-          </a:extLst>
-        </p:spPr>
-        <p:txBody>
-          <a:bodyPr lIns="71437" tIns="71437" rIns="71437" bIns="71437" anchor="ctr">
-            <a:spAutoFit/>
-          </a:bodyPr>
-          <a:lstStyle>
-            <a:lvl1pPr algn="r">
-              <a:defRPr sz="2400">
-                <a:solidFill>
-                  <a:srgbClr val="253957"/>
-                </a:solidFill>
-                <a:latin typeface="+mn-lt"/>
-                <a:ea typeface="+mn-ea"/>
-                <a:cs typeface="+mn-cs"/>
-                <a:sym typeface="Arial Narrow"/>
-              </a:defRPr>
-            </a:lvl1pPr>
-          </a:lstStyle>
-          <a:p>
-            <a:r>
-              <a:t>Название подразделения, лаборатории, факультета и т.д.</a:t>
-            </a:r>
           </a:p>
         </p:txBody>
       </p:sp>
@@ -6333,7 +7913,7 @@
         </p:nvSpPr>
         <p:spPr>
           <a:xfrm>
-            <a:off x="3864191" y="3473624"/>
+            <a:off x="3868007" y="3081098"/>
             <a:ext cx="17759687" cy="3062377"/>
           </a:xfrm>
           <a:prstGeom prst="rect">
@@ -6515,7 +8095,7 @@
         </p:blipFill>
         <p:spPr>
           <a:xfrm>
-            <a:off x="1608664" y="4259103"/>
+            <a:off x="1612480" y="3866577"/>
             <a:ext cx="1491418" cy="1491418"/>
           </a:xfrm>
           <a:prstGeom prst="rect">
@@ -6551,7 +8131,7 @@
         </p:blipFill>
         <p:spPr>
           <a:xfrm>
-            <a:off x="1677744" y="7532705"/>
+            <a:off x="1675437" y="7362714"/>
             <a:ext cx="1740274" cy="1740274"/>
           </a:xfrm>
           <a:prstGeom prst="rect">
@@ -6635,7 +8215,7 @@
         </p:nvSpPr>
         <p:spPr>
           <a:xfrm>
-            <a:off x="886744" y="1241376"/>
+            <a:off x="887826" y="1134301"/>
             <a:ext cx="21506374" cy="2313227"/>
           </a:xfrm>
           <a:prstGeom prst="rect">
@@ -6646,7 +8226,7 @@
           </a:ln>
           <a:extLst>
             <a:ext uri="{C572A759-6A51-4108-AA02-DFA0A04FC94B}">
-              <ma14:wrappingTextBoxFlag xmlns:ma14="http://schemas.microsoft.com/office/mac/drawingml/2011/main" xmlns:a14="http://schemas.microsoft.com/office/drawing/2010/main" xmlns:m="http://schemas.openxmlformats.org/officeDocument/2006/math" xmlns="" val="1"/>
+              <ma14:wrappingTextBoxFlag xmlns="" xmlns:m="http://schemas.openxmlformats.org/officeDocument/2006/math" xmlns:a14="http://schemas.microsoft.com/office/drawing/2010/main" xmlns:ma14="http://schemas.microsoft.com/office/mac/drawingml/2011/main" val="1"/>
             </a:ext>
           </a:extLst>
         </p:spPr>
@@ -6686,6 +8266,229 @@
               <a:rPr lang="ru-RU" dirty="0"/>
               <a:t>работы</a:t>
             </a:r>
+          </a:p>
+        </p:txBody>
+      </p:sp>
+      <p:sp>
+        <p:nvSpPr>
+          <p:cNvPr id="3" name="TextBox 2">
+            <a:extLst>
+              <a:ext uri="{FF2B5EF4-FFF2-40B4-BE49-F238E27FC236}">
+                <a16:creationId xmlns:a16="http://schemas.microsoft.com/office/drawing/2014/main" id="{5529B41C-3CF2-9148-92E3-02E9E07C0BC3}"/>
+              </a:ext>
+            </a:extLst>
+          </p:cNvPr>
+          <p:cNvSpPr txBox="1"/>
+          <p:nvPr/>
+        </p:nvSpPr>
+        <p:spPr>
+          <a:xfrm>
+            <a:off x="887826" y="4121696"/>
+            <a:ext cx="23186576" cy="7961794"/>
+          </a:xfrm>
+          <a:prstGeom prst="rect">
+            <a:avLst/>
+          </a:prstGeom>
+          <a:noFill/>
+          <a:ln w="12700" cap="flat">
+            <a:noFill/>
+            <a:miter lim="400000"/>
+          </a:ln>
+          <a:effectLst/>
+          <a:sp3d/>
+        </p:spPr>
+        <p:style>
+          <a:lnRef idx="0">
+            <a:scrgbClr r="0" g="0" b="0"/>
+          </a:lnRef>
+          <a:fillRef idx="0">
+            <a:scrgbClr r="0" g="0" b="0"/>
+          </a:fillRef>
+          <a:effectRef idx="0">
+            <a:scrgbClr r="0" g="0" b="0"/>
+          </a:effectRef>
+          <a:fontRef idx="none"/>
+        </p:style>
+        <p:txBody>
+          <a:bodyPr rot="0" spcFirstLastPara="1" vertOverflow="overflow" horzOverflow="overflow" vert="horz" wrap="square" lIns="71437" tIns="71437" rIns="71437" bIns="71437" numCol="1" spcCol="38100" rtlCol="0" anchor="ctr">
+            <a:spAutoFit/>
+          </a:bodyPr>
+          <a:lstStyle/>
+          <a:p>
+            <a:pPr marL="0" marR="0" indent="0" algn="l" defTabSz="821531" rtl="0" fontAlgn="auto" latinLnBrk="0" hangingPunct="0">
+              <a:lnSpc>
+                <a:spcPct val="100000"/>
+              </a:lnSpc>
+              <a:spcBef>
+                <a:spcPts val="0"/>
+              </a:spcBef>
+              <a:spcAft>
+                <a:spcPts val="0"/>
+              </a:spcAft>
+              <a:buClrTx/>
+              <a:buSzTx/>
+              <a:buFontTx/>
+              <a:buNone/>
+              <a:tabLst/>
+            </a:pPr>
+            <a:r>
+              <a:rPr lang="ru-RU" sz="5400" dirty="0">
+                <a:solidFill>
+                  <a:srgbClr val="253957"/>
+                </a:solidFill>
+                <a:latin typeface="+mn-lt"/>
+              </a:rPr>
+              <a:t>Растущий спрос со стороны компаний </a:t>
+            </a:r>
+            <a:r>
+              <a:rPr lang="en-US" sz="5400" dirty="0">
+                <a:solidFill>
+                  <a:srgbClr val="253957"/>
+                </a:solidFill>
+                <a:latin typeface="+mn-lt"/>
+              </a:rPr>
+              <a:t>B2C</a:t>
+            </a:r>
+            <a:r>
+              <a:rPr lang="ru-RU" sz="5400" dirty="0">
+                <a:solidFill>
+                  <a:srgbClr val="253957"/>
+                </a:solidFill>
+                <a:latin typeface="+mn-lt"/>
+              </a:rPr>
+              <a:t> сегмента на автоматическую обработку отзывов, оставленных их пользователями</a:t>
+            </a:r>
+            <a:r>
+              <a:rPr lang="en-US" sz="5400" dirty="0">
+                <a:solidFill>
+                  <a:srgbClr val="253957"/>
+                </a:solidFill>
+                <a:latin typeface="+mn-lt"/>
+              </a:rPr>
+              <a:t>:</a:t>
+            </a:r>
+          </a:p>
+          <a:p>
+            <a:pPr marL="685800" indent="-685800" algn="l">
+              <a:buFont typeface="Arial" panose="020B0604020202020204" pitchFamily="34" charset="0"/>
+              <a:buChar char="•"/>
+            </a:pPr>
+            <a:endParaRPr lang="ru-RU" dirty="0">
+              <a:solidFill>
+                <a:srgbClr val="253957"/>
+              </a:solidFill>
+              <a:latin typeface="+mn-lt"/>
+            </a:endParaRPr>
+          </a:p>
+          <a:p>
+            <a:pPr marL="685800" indent="-685800" algn="l">
+              <a:buFont typeface="Arial" panose="020B0604020202020204" pitchFamily="34" charset="0"/>
+              <a:buChar char="•"/>
+            </a:pPr>
+            <a:r>
+              <a:rPr lang="ru-RU" dirty="0">
+                <a:solidFill>
+                  <a:srgbClr val="253957"/>
+                </a:solidFill>
+                <a:latin typeface="+mn-lt"/>
+              </a:rPr>
+              <a:t>Выпуски новых продуктов </a:t>
+            </a:r>
+          </a:p>
+          <a:p>
+            <a:pPr algn="l"/>
+            <a:endParaRPr lang="ru-RU" dirty="0">
+              <a:solidFill>
+                <a:srgbClr val="253957"/>
+              </a:solidFill>
+              <a:latin typeface="+mn-lt"/>
+            </a:endParaRPr>
+          </a:p>
+          <a:p>
+            <a:pPr marL="685800" indent="-685800" algn="l">
+              <a:buFont typeface="Arial" panose="020B0604020202020204" pitchFamily="34" charset="0"/>
+              <a:buChar char="•"/>
+            </a:pPr>
+            <a:r>
+              <a:rPr lang="ru-RU" dirty="0">
+                <a:solidFill>
+                  <a:srgbClr val="253957"/>
+                </a:solidFill>
+                <a:latin typeface="+mn-lt"/>
+              </a:rPr>
+              <a:t>Запуск новых рекламных компаний</a:t>
+            </a:r>
+          </a:p>
+          <a:p>
+            <a:pPr marL="685800" indent="-685800" algn="l">
+              <a:buFont typeface="Arial" panose="020B0604020202020204" pitchFamily="34" charset="0"/>
+              <a:buChar char="•"/>
+            </a:pPr>
+            <a:endParaRPr lang="ru-RU" dirty="0">
+              <a:solidFill>
+                <a:srgbClr val="253957"/>
+              </a:solidFill>
+              <a:latin typeface="+mn-lt"/>
+            </a:endParaRPr>
+          </a:p>
+          <a:p>
+            <a:pPr marL="685800" indent="-685800" algn="l">
+              <a:buFont typeface="Arial" panose="020B0604020202020204" pitchFamily="34" charset="0"/>
+              <a:buChar char="•"/>
+            </a:pPr>
+            <a:r>
+              <a:rPr lang="ru-RU" dirty="0">
+                <a:solidFill>
+                  <a:srgbClr val="253957"/>
+                </a:solidFill>
+                <a:latin typeface="+mn-lt"/>
+              </a:rPr>
+              <a:t>Обновление существующей линейки продуктов</a:t>
+            </a:r>
+          </a:p>
+          <a:p>
+            <a:pPr marL="685800" indent="-685800" algn="l">
+              <a:buFont typeface="Arial" panose="020B0604020202020204" pitchFamily="34" charset="0"/>
+              <a:buChar char="•"/>
+            </a:pPr>
+            <a:endParaRPr lang="ru-RU" dirty="0">
+              <a:solidFill>
+                <a:srgbClr val="253957"/>
+              </a:solidFill>
+              <a:latin typeface="+mn-lt"/>
+            </a:endParaRPr>
+          </a:p>
+          <a:p>
+            <a:pPr marL="685800" marR="0" indent="-685800" algn="l" defTabSz="821531" rtl="0" fontAlgn="auto" latinLnBrk="0" hangingPunct="0">
+              <a:lnSpc>
+                <a:spcPct val="100000"/>
+              </a:lnSpc>
+              <a:spcBef>
+                <a:spcPts val="0"/>
+              </a:spcBef>
+              <a:spcAft>
+                <a:spcPts val="0"/>
+              </a:spcAft>
+              <a:buClrTx/>
+              <a:buSzTx/>
+              <a:buFont typeface="Arial" panose="020B0604020202020204" pitchFamily="34" charset="0"/>
+              <a:buChar char="•"/>
+              <a:tabLst/>
+            </a:pPr>
+            <a:endParaRPr kumimoji="0" lang="ru-RU" sz="5000" b="0" i="0" u="none" strike="noStrike" cap="none" spc="0" normalizeH="0" baseline="0" dirty="0">
+              <a:ln>
+                <a:noFill/>
+              </a:ln>
+              <a:solidFill>
+                <a:srgbClr val="253957"/>
+              </a:solidFill>
+              <a:effectLst/>
+              <a:uFillTx/>
+              <a:latin typeface="+mn-lt"/>
+              <a:ea typeface="+mj-ea"/>
+              <a:cs typeface="+mj-cs"/>
+              <a:sym typeface="Helvetica Light"/>
+            </a:endParaRPr>
           </a:p>
         </p:txBody>
       </p:sp>
@@ -6745,7 +8548,7 @@
           </a:ln>
           <a:extLst>
             <a:ext uri="{C572A759-6A51-4108-AA02-DFA0A04FC94B}">
-              <ma14:wrappingTextBoxFlag xmlns:ma14="http://schemas.microsoft.com/office/mac/drawingml/2011/main" xmlns:a14="http://schemas.microsoft.com/office/drawing/2010/main" xmlns:m="http://schemas.openxmlformats.org/officeDocument/2006/math" xmlns="" val="1"/>
+              <ma14:wrappingTextBoxFlag xmlns="" xmlns:m="http://schemas.openxmlformats.org/officeDocument/2006/math" xmlns:a14="http://schemas.microsoft.com/office/drawing/2010/main" xmlns:ma14="http://schemas.microsoft.com/office/mac/drawingml/2011/main" val="1"/>
             </a:ext>
           </a:extLst>
         </p:spPr>
@@ -7501,7 +9304,7 @@
         </p:nvSpPr>
         <p:spPr>
           <a:xfrm>
-            <a:off x="886744" y="1241376"/>
+            <a:off x="734344" y="752656"/>
             <a:ext cx="21506374" cy="2313227"/>
           </a:xfrm>
           <a:prstGeom prst="rect">
@@ -7512,7 +9315,7 @@
           </a:ln>
           <a:extLst>
             <a:ext uri="{C572A759-6A51-4108-AA02-DFA0A04FC94B}">
-              <ma14:wrappingTextBoxFlag xmlns:ma14="http://schemas.microsoft.com/office/mac/drawingml/2011/main" xmlns:a14="http://schemas.microsoft.com/office/drawing/2010/main" xmlns:m="http://schemas.openxmlformats.org/officeDocument/2006/math" xmlns="" val="1"/>
+              <ma14:wrappingTextBoxFlag xmlns="" xmlns:m="http://schemas.openxmlformats.org/officeDocument/2006/math" xmlns:a14="http://schemas.microsoft.com/office/drawing/2010/main" xmlns:ma14="http://schemas.microsoft.com/office/mac/drawingml/2011/main" val="1"/>
             </a:ext>
           </a:extLst>
         </p:spPr>
@@ -7569,7 +9372,7 @@
         </p:nvSpPr>
         <p:spPr>
           <a:xfrm>
-            <a:off x="6575376" y="5770928"/>
+            <a:off x="5752710" y="5673609"/>
             <a:ext cx="4613442" cy="913711"/>
           </a:xfrm>
           <a:prstGeom prst="rect">
@@ -7655,7 +9458,7 @@
         </p:nvSpPr>
         <p:spPr>
           <a:xfrm>
-            <a:off x="12552040" y="5770927"/>
+            <a:off x="13131302" y="5673609"/>
             <a:ext cx="7272808" cy="913711"/>
           </a:xfrm>
           <a:prstGeom prst="rect">
@@ -7903,7 +9706,7 @@
         </p:nvSpPr>
         <p:spPr>
           <a:xfrm>
-            <a:off x="8555596" y="10746431"/>
+            <a:off x="8155360" y="10656707"/>
             <a:ext cx="7272808" cy="1683152"/>
           </a:xfrm>
           <a:prstGeom prst="rect">
@@ -8040,13 +9843,13 @@
           <p:nvPr/>
         </p:nvPicPr>
         <p:blipFill>
-          <a:blip r:embed="rId2">
+          <a:blip r:embed="rId3">
             <a:extLst>
               <a:ext uri="{28A0092B-C50C-407E-A947-70E740481C1C}">
                 <a14:useLocalDpi xmlns:a14="http://schemas.microsoft.com/office/drawing/2010/main" val="0"/>
               </a:ext>
               <a:ext uri="{96DAC541-7B7A-43D3-8B79-37D633B846F1}">
-                <asvg:svgBlip xmlns:asvg="http://schemas.microsoft.com/office/drawing/2016/SVG/main" r:embed="rId3"/>
+                <asvg:svgBlip xmlns:asvg="http://schemas.microsoft.com/office/drawing/2016/SVG/main" r:embed="rId4"/>
               </a:ext>
             </a:extLst>
           </a:blip>
@@ -8056,7 +9859,7 @@
         </p:blipFill>
         <p:spPr>
           <a:xfrm>
-            <a:off x="8007152" y="3940166"/>
+            <a:off x="7184486" y="3808353"/>
             <a:ext cx="1645332" cy="1645332"/>
           </a:xfrm>
           <a:prstGeom prst="rect">
@@ -8079,13 +9882,13 @@
           <p:nvPr/>
         </p:nvPicPr>
         <p:blipFill>
-          <a:blip r:embed="rId4">
+          <a:blip r:embed="rId5">
             <a:extLst>
               <a:ext uri="{28A0092B-C50C-407E-A947-70E740481C1C}">
                 <a14:useLocalDpi xmlns:a14="http://schemas.microsoft.com/office/drawing/2010/main" val="0"/>
               </a:ext>
               <a:ext uri="{96DAC541-7B7A-43D3-8B79-37D633B846F1}">
-                <asvg:svgBlip xmlns:asvg="http://schemas.microsoft.com/office/drawing/2016/SVG/main" r:embed="rId5"/>
+                <asvg:svgBlip xmlns:asvg="http://schemas.microsoft.com/office/drawing/2016/SVG/main" r:embed="rId6"/>
               </a:ext>
             </a:extLst>
           </a:blip>
@@ -8095,7 +9898,7 @@
         </p:blipFill>
         <p:spPr>
           <a:xfrm>
-            <a:off x="15221762" y="3796151"/>
+            <a:off x="15801024" y="3698833"/>
             <a:ext cx="1933363" cy="1933363"/>
           </a:xfrm>
           <a:prstGeom prst="rect">
@@ -8118,13 +9921,13 @@
           <p:nvPr/>
         </p:nvPicPr>
         <p:blipFill>
-          <a:blip r:embed="rId6">
+          <a:blip r:embed="rId7">
             <a:extLst>
               <a:ext uri="{28A0092B-C50C-407E-A947-70E740481C1C}">
                 <a14:useLocalDpi xmlns:a14="http://schemas.microsoft.com/office/drawing/2010/main" val="0"/>
               </a:ext>
               <a:ext uri="{96DAC541-7B7A-43D3-8B79-37D633B846F1}">
-                <asvg:svgBlip xmlns:asvg="http://schemas.microsoft.com/office/drawing/2016/SVG/main" r:embed="rId7"/>
+                <asvg:svgBlip xmlns:asvg="http://schemas.microsoft.com/office/drawing/2016/SVG/main" r:embed="rId8"/>
               </a:ext>
             </a:extLst>
           </a:blip>
@@ -8134,7 +9937,7 @@
         </p:blipFill>
         <p:spPr>
           <a:xfrm>
-            <a:off x="11369333" y="9042079"/>
+            <a:off x="10969097" y="8952355"/>
             <a:ext cx="1645333" cy="1645333"/>
           </a:xfrm>
           <a:prstGeom prst="rect">
@@ -8157,13 +9960,13 @@
           <p:nvPr/>
         </p:nvPicPr>
         <p:blipFill>
-          <a:blip r:embed="rId8">
+          <a:blip r:embed="rId9">
             <a:extLst>
               <a:ext uri="{28A0092B-C50C-407E-A947-70E740481C1C}">
                 <a14:useLocalDpi xmlns:a14="http://schemas.microsoft.com/office/drawing/2010/main" val="0"/>
               </a:ext>
               <a:ext uri="{96DAC541-7B7A-43D3-8B79-37D633B846F1}">
-                <asvg:svgBlip xmlns:asvg="http://schemas.microsoft.com/office/drawing/2016/SVG/main" r:embed="rId9"/>
+                <asvg:svgBlip xmlns:asvg="http://schemas.microsoft.com/office/drawing/2016/SVG/main" r:embed="rId10"/>
               </a:ext>
             </a:extLst>
           </a:blip>
@@ -8196,13 +9999,13 @@
           <p:nvPr/>
         </p:nvPicPr>
         <p:blipFill>
-          <a:blip r:embed="rId10">
+          <a:blip r:embed="rId11">
             <a:extLst>
               <a:ext uri="{28A0092B-C50C-407E-A947-70E740481C1C}">
                 <a14:useLocalDpi xmlns:a14="http://schemas.microsoft.com/office/drawing/2010/main" val="0"/>
               </a:ext>
               <a:ext uri="{96DAC541-7B7A-43D3-8B79-37D633B846F1}">
-                <asvg:svgBlip xmlns:asvg="http://schemas.microsoft.com/office/drawing/2016/SVG/main" r:embed="rId11"/>
+                <asvg:svgBlip xmlns:asvg="http://schemas.microsoft.com/office/drawing/2016/SVG/main" r:embed="rId12"/>
               </a:ext>
             </a:extLst>
           </a:blip>
@@ -8265,6 +10068,2042 @@
         </p:nvSpPr>
         <p:spPr>
           <a:xfrm>
+            <a:off x="598712" y="374367"/>
+            <a:ext cx="21506374" cy="2313227"/>
+          </a:xfrm>
+          <a:prstGeom prst="rect">
+            <a:avLst/>
+          </a:prstGeom>
+          <a:ln w="12700">
+            <a:miter lim="400000"/>
+          </a:ln>
+          <a:extLst>
+            <a:ext uri="{C572A759-6A51-4108-AA02-DFA0A04FC94B}">
+              <ma14:wrappingTextBoxFlag xmlns="" xmlns:m="http://schemas.openxmlformats.org/officeDocument/2006/math" xmlns:a14="http://schemas.microsoft.com/office/drawing/2010/main" xmlns:ma14="http://schemas.microsoft.com/office/mac/drawingml/2011/main" val="1"/>
+            </a:ext>
+          </a:extLst>
+        </p:spPr>
+        <p:txBody>
+          <a:bodyPr lIns="71437" tIns="71437" rIns="71437" bIns="71437"/>
+          <a:lstStyle/>
+          <a:p>
+            <a:pPr algn="l">
+              <a:defRPr sz="7000" b="1" cap="all">
+                <a:solidFill>
+                  <a:srgbClr val="253957"/>
+                </a:solidFill>
+                <a:latin typeface="+mn-lt"/>
+                <a:ea typeface="+mn-ea"/>
+                <a:cs typeface="+mn-cs"/>
+                <a:sym typeface="Arial Narrow"/>
+              </a:defRPr>
+            </a:pPr>
+            <a:r>
+              <a:rPr lang="ru-RU" dirty="0"/>
+              <a:t>Векторизация</a:t>
+            </a:r>
+            <a:r>
+              <a:rPr lang="en-US" dirty="0"/>
+              <a:t> </a:t>
+            </a:r>
+            <a:r>
+              <a:rPr lang="ru-RU" dirty="0"/>
+              <a:t>отзывов</a:t>
+            </a:r>
+          </a:p>
+        </p:txBody>
+      </p:sp>
+      <p:sp>
+        <p:nvSpPr>
+          <p:cNvPr id="7" name="TextBox 6">
+            <a:extLst>
+              <a:ext uri="{FF2B5EF4-FFF2-40B4-BE49-F238E27FC236}">
+                <a16:creationId xmlns:a16="http://schemas.microsoft.com/office/drawing/2014/main" id="{61878220-4812-1846-B556-1CC3115621D1}"/>
+              </a:ext>
+            </a:extLst>
+          </p:cNvPr>
+          <p:cNvSpPr txBox="1"/>
+          <p:nvPr/>
+        </p:nvSpPr>
+        <p:spPr>
+          <a:xfrm>
+            <a:off x="598712" y="1530980"/>
+            <a:ext cx="6807705" cy="923330"/>
+          </a:xfrm>
+          <a:prstGeom prst="rect">
+            <a:avLst/>
+          </a:prstGeom>
+          <a:noFill/>
+        </p:spPr>
+        <p:txBody>
+          <a:bodyPr wrap="square" rtlCol="0">
+            <a:spAutoFit/>
+          </a:bodyPr>
+          <a:lstStyle/>
+          <a:p>
+            <a:pPr algn="l"/>
+            <a:r>
+              <a:rPr lang="ru-RU" sz="5400" cap="all" dirty="0">
+                <a:solidFill>
+                  <a:srgbClr val="253957"/>
+                </a:solidFill>
+                <a:latin typeface="+mn-lt"/>
+                <a:ea typeface="+mn-ea"/>
+                <a:cs typeface="+mn-cs"/>
+              </a:rPr>
+              <a:t>Метод </a:t>
+            </a:r>
+            <a:r>
+              <a:rPr lang="en" sz="5400" cap="all" dirty="0">
+                <a:solidFill>
+                  <a:srgbClr val="253957"/>
+                </a:solidFill>
+                <a:latin typeface="+mn-lt"/>
+                <a:ea typeface="+mn-ea"/>
+                <a:cs typeface="+mn-cs"/>
+              </a:rPr>
+              <a:t>TF-IDF</a:t>
+            </a:r>
+          </a:p>
+        </p:txBody>
+      </p:sp>
+      <p:sp>
+        <p:nvSpPr>
+          <p:cNvPr id="4" name="TextBox 3">
+            <a:extLst>
+              <a:ext uri="{FF2B5EF4-FFF2-40B4-BE49-F238E27FC236}">
+                <a16:creationId xmlns:a16="http://schemas.microsoft.com/office/drawing/2014/main" id="{6DC5EB36-076C-E844-A584-5673345AE5B7}"/>
+              </a:ext>
+            </a:extLst>
+          </p:cNvPr>
+          <p:cNvSpPr txBox="1"/>
+          <p:nvPr/>
+        </p:nvSpPr>
+        <p:spPr>
+          <a:xfrm>
+            <a:off x="598712" y="3688815"/>
+            <a:ext cx="16491318" cy="1990929"/>
+          </a:xfrm>
+          <a:prstGeom prst="rect">
+            <a:avLst/>
+          </a:prstGeom>
+          <a:noFill/>
+          <a:ln w="12700" cap="flat">
+            <a:noFill/>
+            <a:miter lim="400000"/>
+          </a:ln>
+          <a:effectLst/>
+          <a:sp3d/>
+        </p:spPr>
+        <p:style>
+          <a:lnRef idx="0">
+            <a:scrgbClr r="0" g="0" b="0"/>
+          </a:lnRef>
+          <a:fillRef idx="0">
+            <a:scrgbClr r="0" g="0" b="0"/>
+          </a:fillRef>
+          <a:effectRef idx="0">
+            <a:scrgbClr r="0" g="0" b="0"/>
+          </a:effectRef>
+          <a:fontRef idx="none"/>
+        </p:style>
+        <p:txBody>
+          <a:bodyPr rot="0" spcFirstLastPara="1" vertOverflow="overflow" horzOverflow="overflow" vert="horz" wrap="square" lIns="71437" tIns="71437" rIns="71437" bIns="71437" numCol="1" spcCol="38100" rtlCol="0" anchor="ctr">
+            <a:spAutoFit/>
+          </a:bodyPr>
+          <a:lstStyle/>
+          <a:p>
+            <a:pPr algn="l"/>
+            <a:r>
+              <a:rPr lang="ru-RU" sz="4000" dirty="0"/>
+              <a:t>Оценка важности </a:t>
+            </a:r>
+            <a:r>
+              <a:rPr lang="ru-RU" sz="4000" dirty="0">
+                <a:solidFill>
+                  <a:sysClr val="windowText" lastClr="000000"/>
+                </a:solidFill>
+              </a:rPr>
+              <a:t>слова как в контексте рассматриваемого экземпляра документа, так и относительно других документов, находящихся в коллекции.</a:t>
+            </a:r>
+            <a:endParaRPr kumimoji="0" lang="ru-RU" sz="4000" b="0" i="0" u="none" strike="noStrike" cap="none" spc="0" normalizeH="0" baseline="0" dirty="0">
+              <a:ln>
+                <a:noFill/>
+              </a:ln>
+              <a:solidFill>
+                <a:srgbClr val="000000"/>
+              </a:solidFill>
+              <a:effectLst/>
+              <a:uFillTx/>
+              <a:latin typeface="+mj-lt"/>
+              <a:ea typeface="+mj-ea"/>
+              <a:cs typeface="+mj-cs"/>
+              <a:sym typeface="Helvetica Light"/>
+            </a:endParaRPr>
+          </a:p>
+        </p:txBody>
+      </p:sp>
+      <mc:AlternateContent xmlns:mc="http://schemas.openxmlformats.org/markup-compatibility/2006">
+        <mc:Choice xmlns:a14="http://schemas.microsoft.com/office/drawing/2010/main" Requires="a14">
+          <p:sp>
+            <p:nvSpPr>
+              <p:cNvPr id="6" name="Прямоугольник 5">
+                <a:extLst>
+                  <a:ext uri="{FF2B5EF4-FFF2-40B4-BE49-F238E27FC236}">
+                    <a16:creationId xmlns:a16="http://schemas.microsoft.com/office/drawing/2014/main" id="{A661E478-D6D1-D149-85CB-1020F3E10479}"/>
+                  </a:ext>
+                </a:extLst>
+              </p:cNvPr>
+              <p:cNvSpPr/>
+              <p:nvPr/>
+            </p:nvSpPr>
+            <p:spPr>
+              <a:xfrm>
+                <a:off x="1092344" y="9956821"/>
+                <a:ext cx="5820440" cy="1700466"/>
+              </a:xfrm>
+              <a:prstGeom prst="rect">
+                <a:avLst/>
+              </a:prstGeom>
+            </p:spPr>
+            <p:txBody>
+              <a:bodyPr wrap="none">
+                <a:spAutoFit/>
+              </a:bodyPr>
+              <a:lstStyle/>
+              <a:p>
+                <a14:m>
+                  <m:oMathPara xmlns:m="http://schemas.openxmlformats.org/officeDocument/2006/math">
+                    <m:oMathParaPr>
+                      <m:jc m:val="centerGroup"/>
+                    </m:oMathParaPr>
+                    <m:oMath xmlns:m="http://schemas.openxmlformats.org/officeDocument/2006/math">
+                      <m:r>
+                        <a:rPr lang="en-US" sz="5400" i="1" smtClean="0">
+                          <a:solidFill>
+                            <a:sysClr val="windowText" lastClr="000000"/>
+                          </a:solidFill>
+                          <a:latin typeface="Cambria Math" panose="02040503050406030204" pitchFamily="18" charset="0"/>
+                        </a:rPr>
+                        <m:t>𝑇𝐹</m:t>
+                      </m:r>
+                      <m:d>
+                        <m:dPr>
+                          <m:ctrlPr>
+                            <a:rPr lang="en-US" sz="5400" i="1">
+                              <a:solidFill>
+                                <a:sysClr val="windowText" lastClr="000000"/>
+                              </a:solidFill>
+                              <a:latin typeface="Cambria Math" panose="02040503050406030204" pitchFamily="18" charset="0"/>
+                            </a:rPr>
+                          </m:ctrlPr>
+                        </m:dPr>
+                        <m:e>
+                          <m:r>
+                            <a:rPr lang="en-US" sz="5400" b="0" i="1" smtClean="0">
+                              <a:solidFill>
+                                <a:sysClr val="windowText" lastClr="000000"/>
+                              </a:solidFill>
+                              <a:latin typeface="Cambria Math" panose="02040503050406030204" pitchFamily="18" charset="0"/>
+                            </a:rPr>
+                            <m:t>𝑡</m:t>
+                          </m:r>
+                          <m:r>
+                            <a:rPr lang="en-US" sz="5400" i="1">
+                              <a:solidFill>
+                                <a:sysClr val="windowText" lastClr="000000"/>
+                              </a:solidFill>
+                              <a:latin typeface="Cambria Math" panose="02040503050406030204" pitchFamily="18" charset="0"/>
+                            </a:rPr>
+                            <m:t>,</m:t>
+                          </m:r>
+                          <m:r>
+                            <a:rPr lang="en-US" sz="5400" i="1">
+                              <a:solidFill>
+                                <a:sysClr val="windowText" lastClr="000000"/>
+                              </a:solidFill>
+                              <a:latin typeface="Cambria Math" panose="02040503050406030204" pitchFamily="18" charset="0"/>
+                            </a:rPr>
+                            <m:t>𝑑</m:t>
+                          </m:r>
+                        </m:e>
+                      </m:d>
+                      <m:r>
+                        <a:rPr lang="en-US" sz="5400" i="1">
+                          <a:solidFill>
+                            <a:sysClr val="windowText" lastClr="000000"/>
+                          </a:solidFill>
+                          <a:latin typeface="Cambria Math" panose="02040503050406030204" pitchFamily="18" charset="0"/>
+                        </a:rPr>
+                        <m:t>=</m:t>
+                      </m:r>
+                      <m:f>
+                        <m:fPr>
+                          <m:ctrlPr>
+                            <a:rPr lang="en-US" sz="5400" i="1">
+                              <a:solidFill>
+                                <a:sysClr val="windowText" lastClr="000000"/>
+                              </a:solidFill>
+                              <a:latin typeface="Cambria Math" panose="02040503050406030204" pitchFamily="18" charset="0"/>
+                            </a:rPr>
+                          </m:ctrlPr>
+                        </m:fPr>
+                        <m:num>
+                          <m:sSub>
+                            <m:sSubPr>
+                              <m:ctrlPr>
+                                <a:rPr lang="en-US" sz="5400" b="0" i="1" smtClean="0">
+                                  <a:solidFill>
+                                    <a:sysClr val="windowText" lastClr="000000"/>
+                                  </a:solidFill>
+                                  <a:latin typeface="Cambria Math" panose="02040503050406030204" pitchFamily="18" charset="0"/>
+                                </a:rPr>
+                              </m:ctrlPr>
+                            </m:sSubPr>
+                            <m:e>
+                              <m:r>
+                                <a:rPr lang="en-US" sz="5400" b="0" i="1" smtClean="0">
+                                  <a:solidFill>
+                                    <a:sysClr val="windowText" lastClr="000000"/>
+                                  </a:solidFill>
+                                  <a:latin typeface="Cambria Math" panose="02040503050406030204" pitchFamily="18" charset="0"/>
+                                </a:rPr>
+                                <m:t>𝑛</m:t>
+                              </m:r>
+                            </m:e>
+                            <m:sub>
+                              <m:r>
+                                <a:rPr lang="en-US" sz="5400" b="0" i="1" smtClean="0">
+                                  <a:solidFill>
+                                    <a:sysClr val="windowText" lastClr="000000"/>
+                                  </a:solidFill>
+                                  <a:latin typeface="Cambria Math" panose="02040503050406030204" pitchFamily="18" charset="0"/>
+                                </a:rPr>
+                                <m:t>𝑡</m:t>
+                              </m:r>
+                            </m:sub>
+                          </m:sSub>
+                        </m:num>
+                        <m:den>
+                          <m:nary>
+                            <m:naryPr>
+                              <m:chr m:val="∑"/>
+                              <m:limLoc m:val="subSup"/>
+                              <m:supHide m:val="on"/>
+                              <m:ctrlPr>
+                                <a:rPr lang="en-US" sz="5400" i="1">
+                                  <a:solidFill>
+                                    <a:sysClr val="windowText" lastClr="000000"/>
+                                  </a:solidFill>
+                                  <a:latin typeface="Cambria Math" panose="02040503050406030204" pitchFamily="18" charset="0"/>
+                                </a:rPr>
+                              </m:ctrlPr>
+                            </m:naryPr>
+                            <m:sub>
+                              <m:r>
+                                <m:rPr>
+                                  <m:brk m:alnAt="9"/>
+                                </m:rPr>
+                                <a:rPr lang="en-US" sz="5400" i="1">
+                                  <a:solidFill>
+                                    <a:sysClr val="windowText" lastClr="000000"/>
+                                  </a:solidFill>
+                                  <a:latin typeface="Cambria Math" panose="02040503050406030204" pitchFamily="18" charset="0"/>
+                                </a:rPr>
+                                <m:t>𝑘</m:t>
+                              </m:r>
+                            </m:sub>
+                            <m:sup/>
+                            <m:e>
+                              <m:d>
+                                <m:dPr>
+                                  <m:ctrlPr>
+                                    <a:rPr lang="en-US" sz="5400" i="1">
+                                      <a:solidFill>
+                                        <a:sysClr val="windowText" lastClr="000000"/>
+                                      </a:solidFill>
+                                      <a:latin typeface="Cambria Math" panose="02040503050406030204" pitchFamily="18" charset="0"/>
+                                    </a:rPr>
+                                  </m:ctrlPr>
+                                </m:dPr>
+                                <m:e>
+                                  <m:sSub>
+                                    <m:sSubPr>
+                                      <m:ctrlPr>
+                                        <a:rPr lang="en-US" sz="5400" i="1">
+                                          <a:solidFill>
+                                            <a:sysClr val="windowText" lastClr="000000"/>
+                                          </a:solidFill>
+                                          <a:latin typeface="Cambria Math" panose="02040503050406030204" pitchFamily="18" charset="0"/>
+                                        </a:rPr>
+                                      </m:ctrlPr>
+                                    </m:sSubPr>
+                                    <m:e>
+                                      <m:r>
+                                        <a:rPr lang="en-US" sz="5400" i="1">
+                                          <a:solidFill>
+                                            <a:sysClr val="windowText" lastClr="000000"/>
+                                          </a:solidFill>
+                                          <a:latin typeface="Cambria Math" panose="02040503050406030204" pitchFamily="18" charset="0"/>
+                                        </a:rPr>
+                                        <m:t>𝑛</m:t>
+                                      </m:r>
+                                    </m:e>
+                                    <m:sub>
+                                      <m:r>
+                                        <a:rPr lang="en-US" sz="5400" i="1">
+                                          <a:solidFill>
+                                            <a:sysClr val="windowText" lastClr="000000"/>
+                                          </a:solidFill>
+                                          <a:latin typeface="Cambria Math" panose="02040503050406030204" pitchFamily="18" charset="0"/>
+                                        </a:rPr>
+                                        <m:t>𝑘</m:t>
+                                      </m:r>
+                                    </m:sub>
+                                  </m:sSub>
+                                </m:e>
+                              </m:d>
+                            </m:e>
+                          </m:nary>
+                        </m:den>
+                      </m:f>
+                    </m:oMath>
+                  </m:oMathPara>
+                </a14:m>
+                <a:endParaRPr lang="ru-RU" dirty="0"/>
+              </a:p>
+            </p:txBody>
+          </p:sp>
+        </mc:Choice>
+        <mc:Fallback>
+          <p:sp>
+            <p:nvSpPr>
+              <p:cNvPr id="6" name="Прямоугольник 5">
+                <a:extLst>
+                  <a:ext uri="{FF2B5EF4-FFF2-40B4-BE49-F238E27FC236}">
+                    <a16:creationId xmlns:a16="http://schemas.microsoft.com/office/drawing/2014/main" id="{A661E478-D6D1-D149-85CB-1020F3E10479}"/>
+                  </a:ext>
+                </a:extLst>
+              </p:cNvPr>
+              <p:cNvSpPr>
+                <a:spLocks noRot="1" noChangeAspect="1" noMove="1" noResize="1" noEditPoints="1" noAdjustHandles="1" noChangeArrowheads="1" noChangeShapeType="1" noTextEdit="1"/>
+              </p:cNvSpPr>
+              <p:nvPr/>
+            </p:nvSpPr>
+            <p:spPr>
+              <a:xfrm>
+                <a:off x="1092344" y="9956821"/>
+                <a:ext cx="5820440" cy="1700466"/>
+              </a:xfrm>
+              <a:prstGeom prst="rect">
+                <a:avLst/>
+              </a:prstGeom>
+              <a:blipFill>
+                <a:blip r:embed="rId3"/>
+                <a:stretch>
+                  <a:fillRect l="-1743" t="-35556" b="-118519"/>
+                </a:stretch>
+              </a:blipFill>
+            </p:spPr>
+            <p:txBody>
+              <a:bodyPr/>
+              <a:lstStyle/>
+              <a:p>
+                <a:r>
+                  <a:rPr lang="ru-RU">
+                    <a:noFill/>
+                  </a:rPr>
+                  <a:t> </a:t>
+                </a:r>
+              </a:p>
+            </p:txBody>
+          </p:sp>
+        </mc:Fallback>
+      </mc:AlternateContent>
+      <mc:AlternateContent xmlns:mc="http://schemas.openxmlformats.org/markup-compatibility/2006">
+        <mc:Choice xmlns:a14="http://schemas.microsoft.com/office/drawing/2010/main" Requires="a14">
+          <p:sp>
+            <p:nvSpPr>
+              <p:cNvPr id="11" name="Прямоугольник 10">
+                <a:extLst>
+                  <a:ext uri="{FF2B5EF4-FFF2-40B4-BE49-F238E27FC236}">
+                    <a16:creationId xmlns:a16="http://schemas.microsoft.com/office/drawing/2014/main" id="{D9F1038B-55FD-BA41-8EFB-04B8A9D06F97}"/>
+                  </a:ext>
+                </a:extLst>
+              </p:cNvPr>
+              <p:cNvSpPr/>
+              <p:nvPr/>
+            </p:nvSpPr>
+            <p:spPr>
+              <a:xfrm>
+                <a:off x="6504674" y="7022016"/>
+                <a:ext cx="9694449" cy="861774"/>
+              </a:xfrm>
+              <a:prstGeom prst="rect">
+                <a:avLst/>
+              </a:prstGeom>
+            </p:spPr>
+            <p:txBody>
+              <a:bodyPr wrap="none">
+                <a:spAutoFit/>
+              </a:bodyPr>
+              <a:lstStyle/>
+              <a:p>
+                <a14:m>
+                  <m:oMathPara xmlns:m="http://schemas.openxmlformats.org/officeDocument/2006/math">
+                    <m:oMathParaPr>
+                      <m:jc m:val="centerGroup"/>
+                    </m:oMathParaPr>
+                    <m:oMath xmlns:m="http://schemas.openxmlformats.org/officeDocument/2006/math">
+                      <m:r>
+                        <a:rPr lang="en-US" b="0" i="1" smtClean="0">
+                          <a:latin typeface="Cambria Math" panose="02040503050406030204" pitchFamily="18" charset="0"/>
+                        </a:rPr>
+                        <m:t>𝑇𝐹</m:t>
+                      </m:r>
+                      <m:r>
+                        <a:rPr lang="en-US" b="0" i="1" smtClean="0">
+                          <a:latin typeface="Cambria Math" panose="02040503050406030204" pitchFamily="18" charset="0"/>
+                        </a:rPr>
+                        <m:t>−</m:t>
+                      </m:r>
+                      <m:r>
+                        <a:rPr lang="en-US" b="0" i="1" smtClean="0">
+                          <a:latin typeface="Cambria Math" panose="02040503050406030204" pitchFamily="18" charset="0"/>
+                        </a:rPr>
+                        <m:t>𝐼𝐷𝐹</m:t>
+                      </m:r>
+                      <m:d>
+                        <m:dPr>
+                          <m:ctrlPr>
+                            <a:rPr lang="en-US" b="0" i="1" smtClean="0">
+                              <a:latin typeface="Cambria Math" panose="02040503050406030204" pitchFamily="18" charset="0"/>
+                            </a:rPr>
+                          </m:ctrlPr>
+                        </m:dPr>
+                        <m:e>
+                          <m:r>
+                            <a:rPr lang="en-US" b="0" i="1" smtClean="0">
+                              <a:latin typeface="Cambria Math" panose="02040503050406030204" pitchFamily="18" charset="0"/>
+                            </a:rPr>
+                            <m:t>𝑡</m:t>
+                          </m:r>
+                          <m:r>
+                            <a:rPr lang="en-US" b="0" i="1" smtClean="0">
+                              <a:latin typeface="Cambria Math" panose="02040503050406030204" pitchFamily="18" charset="0"/>
+                            </a:rPr>
+                            <m:t>,</m:t>
+                          </m:r>
+                          <m:r>
+                            <a:rPr lang="en-US" b="0" i="1" smtClean="0">
+                              <a:latin typeface="Cambria Math" panose="02040503050406030204" pitchFamily="18" charset="0"/>
+                            </a:rPr>
+                            <m:t>𝑑</m:t>
+                          </m:r>
+                        </m:e>
+                      </m:d>
+                      <m:r>
+                        <a:rPr lang="en-US" b="0" i="1" smtClean="0">
+                          <a:latin typeface="Cambria Math" panose="02040503050406030204" pitchFamily="18" charset="0"/>
+                        </a:rPr>
+                        <m:t>=</m:t>
+                      </m:r>
+                      <m:r>
+                        <a:rPr lang="en-US" b="0" i="1" smtClean="0">
+                          <a:latin typeface="Cambria Math" panose="02040503050406030204" pitchFamily="18" charset="0"/>
+                        </a:rPr>
+                        <m:t>𝑡𝑓</m:t>
+                      </m:r>
+                      <m:d>
+                        <m:dPr>
+                          <m:ctrlPr>
+                            <a:rPr lang="en-US" b="0" i="1" smtClean="0">
+                              <a:latin typeface="Cambria Math" panose="02040503050406030204" pitchFamily="18" charset="0"/>
+                            </a:rPr>
+                          </m:ctrlPr>
+                        </m:dPr>
+                        <m:e>
+                          <m:r>
+                            <a:rPr lang="en-US" b="0" i="1" smtClean="0">
+                              <a:latin typeface="Cambria Math" panose="02040503050406030204" pitchFamily="18" charset="0"/>
+                            </a:rPr>
+                            <m:t>𝑡</m:t>
+                          </m:r>
+                          <m:r>
+                            <a:rPr lang="en-US" b="0" i="1" smtClean="0">
+                              <a:latin typeface="Cambria Math" panose="02040503050406030204" pitchFamily="18" charset="0"/>
+                            </a:rPr>
+                            <m:t>,</m:t>
+                          </m:r>
+                          <m:r>
+                            <a:rPr lang="en-US" b="0" i="1" smtClean="0">
+                              <a:latin typeface="Cambria Math" panose="02040503050406030204" pitchFamily="18" charset="0"/>
+                            </a:rPr>
+                            <m:t>𝑑</m:t>
+                          </m:r>
+                        </m:e>
+                      </m:d>
+                      <m:r>
+                        <a:rPr lang="en-US" b="0" i="1" smtClean="0">
+                          <a:latin typeface="Cambria Math" panose="02040503050406030204" pitchFamily="18" charset="0"/>
+                        </a:rPr>
+                        <m:t>∗</m:t>
+                      </m:r>
+                      <m:r>
+                        <a:rPr lang="en-US" b="0" i="1" smtClean="0">
+                          <a:latin typeface="Cambria Math" panose="02040503050406030204" pitchFamily="18" charset="0"/>
+                        </a:rPr>
+                        <m:t>𝑖𝑑𝑓</m:t>
+                      </m:r>
+                      <m:r>
+                        <a:rPr lang="en-US" b="0" i="1" smtClean="0">
+                          <a:latin typeface="Cambria Math" panose="02040503050406030204" pitchFamily="18" charset="0"/>
+                        </a:rPr>
+                        <m:t>(</m:t>
+                      </m:r>
+                      <m:r>
+                        <a:rPr lang="en-US" b="0" i="1" smtClean="0">
+                          <a:latin typeface="Cambria Math" panose="02040503050406030204" pitchFamily="18" charset="0"/>
+                        </a:rPr>
+                        <m:t>𝑡</m:t>
+                      </m:r>
+                      <m:r>
+                        <a:rPr lang="en-US" b="0" i="1" smtClean="0">
+                          <a:latin typeface="Cambria Math" panose="02040503050406030204" pitchFamily="18" charset="0"/>
+                        </a:rPr>
+                        <m:t>)</m:t>
+                      </m:r>
+                    </m:oMath>
+                  </m:oMathPara>
+                </a14:m>
+                <a:endParaRPr lang="ru-RU" dirty="0"/>
+              </a:p>
+            </p:txBody>
+          </p:sp>
+        </mc:Choice>
+        <mc:Fallback>
+          <p:sp>
+            <p:nvSpPr>
+              <p:cNvPr id="11" name="Прямоугольник 10">
+                <a:extLst>
+                  <a:ext uri="{FF2B5EF4-FFF2-40B4-BE49-F238E27FC236}">
+                    <a16:creationId xmlns:a16="http://schemas.microsoft.com/office/drawing/2014/main" id="{D9F1038B-55FD-BA41-8EFB-04B8A9D06F97}"/>
+                  </a:ext>
+                </a:extLst>
+              </p:cNvPr>
+              <p:cNvSpPr>
+                <a:spLocks noRot="1" noChangeAspect="1" noMove="1" noResize="1" noEditPoints="1" noAdjustHandles="1" noChangeArrowheads="1" noChangeShapeType="1" noTextEdit="1"/>
+              </p:cNvSpPr>
+              <p:nvPr/>
+            </p:nvSpPr>
+            <p:spPr>
+              <a:xfrm>
+                <a:off x="6504674" y="7022016"/>
+                <a:ext cx="9694449" cy="861774"/>
+              </a:xfrm>
+              <a:prstGeom prst="rect">
+                <a:avLst/>
+              </a:prstGeom>
+              <a:blipFill>
+                <a:blip r:embed="rId4"/>
+                <a:stretch>
+                  <a:fillRect l="-654" b="-21739"/>
+                </a:stretch>
+              </a:blipFill>
+            </p:spPr>
+            <p:txBody>
+              <a:bodyPr/>
+              <a:lstStyle/>
+              <a:p>
+                <a:r>
+                  <a:rPr lang="ru-RU">
+                    <a:noFill/>
+                  </a:rPr>
+                  <a:t> </a:t>
+                </a:r>
+              </a:p>
+            </p:txBody>
+          </p:sp>
+        </mc:Fallback>
+      </mc:AlternateContent>
+      <mc:AlternateContent xmlns:mc="http://schemas.openxmlformats.org/markup-compatibility/2006">
+        <mc:Choice xmlns:a14="http://schemas.microsoft.com/office/drawing/2010/main" Requires="a14">
+          <p:sp>
+            <p:nvSpPr>
+              <p:cNvPr id="12" name="Прямоугольник 11">
+                <a:extLst>
+                  <a:ext uri="{FF2B5EF4-FFF2-40B4-BE49-F238E27FC236}">
+                    <a16:creationId xmlns:a16="http://schemas.microsoft.com/office/drawing/2014/main" id="{BF951E7D-77CE-6E4E-B1CA-517546F3131A}"/>
+                  </a:ext>
+                </a:extLst>
+              </p:cNvPr>
+              <p:cNvSpPr/>
+              <p:nvPr/>
+            </p:nvSpPr>
+            <p:spPr>
+              <a:xfrm>
+                <a:off x="15000312" y="9982917"/>
+                <a:ext cx="8160567" cy="1801006"/>
+              </a:xfrm>
+              <a:prstGeom prst="rect">
+                <a:avLst/>
+              </a:prstGeom>
+            </p:spPr>
+            <p:txBody>
+              <a:bodyPr wrap="none">
+                <a:spAutoFit/>
+              </a:bodyPr>
+              <a:lstStyle/>
+              <a:p>
+                <a14:m>
+                  <m:oMathPara xmlns:m="http://schemas.openxmlformats.org/officeDocument/2006/math">
+                    <m:oMathParaPr>
+                      <m:jc m:val="centerGroup"/>
+                    </m:oMathParaPr>
+                    <m:oMath xmlns:m="http://schemas.openxmlformats.org/officeDocument/2006/math">
+                      <m:r>
+                        <a:rPr lang="en-US" sz="5400" b="0" i="1" smtClean="0">
+                          <a:solidFill>
+                            <a:sysClr val="windowText" lastClr="000000"/>
+                          </a:solidFill>
+                          <a:latin typeface="Cambria Math" panose="02040503050406030204" pitchFamily="18" charset="0"/>
+                        </a:rPr>
+                        <m:t>𝐼𝐷𝐹</m:t>
+                      </m:r>
+                      <m:d>
+                        <m:dPr>
+                          <m:ctrlPr>
+                            <a:rPr lang="en-US" sz="5400" i="1">
+                              <a:solidFill>
+                                <a:sysClr val="windowText" lastClr="000000"/>
+                              </a:solidFill>
+                              <a:latin typeface="Cambria Math" panose="02040503050406030204" pitchFamily="18" charset="0"/>
+                            </a:rPr>
+                          </m:ctrlPr>
+                        </m:dPr>
+                        <m:e>
+                          <m:r>
+                            <a:rPr lang="en-US" sz="5400" b="0" i="1" smtClean="0">
+                              <a:solidFill>
+                                <a:sysClr val="windowText" lastClr="000000"/>
+                              </a:solidFill>
+                              <a:latin typeface="Cambria Math" panose="02040503050406030204" pitchFamily="18" charset="0"/>
+                            </a:rPr>
+                            <m:t>𝑡</m:t>
+                          </m:r>
+                        </m:e>
+                      </m:d>
+                      <m:r>
+                        <a:rPr lang="en-US" sz="5400" i="1">
+                          <a:solidFill>
+                            <a:sysClr val="windowText" lastClr="000000"/>
+                          </a:solidFill>
+                          <a:latin typeface="Cambria Math" panose="02040503050406030204" pitchFamily="18" charset="0"/>
+                        </a:rPr>
+                        <m:t>=</m:t>
+                      </m:r>
+                      <m:r>
+                        <a:rPr lang="en-US" sz="5400" b="0" i="1" smtClean="0">
+                          <a:solidFill>
+                            <a:sysClr val="windowText" lastClr="000000"/>
+                          </a:solidFill>
+                          <a:latin typeface="Cambria Math" panose="02040503050406030204" pitchFamily="18" charset="0"/>
+                        </a:rPr>
+                        <m:t>𝑙𝑛</m:t>
+                      </m:r>
+                      <m:f>
+                        <m:fPr>
+                          <m:ctrlPr>
+                            <a:rPr lang="en-US" sz="5400" i="1">
+                              <a:solidFill>
+                                <a:sysClr val="windowText" lastClr="000000"/>
+                              </a:solidFill>
+                              <a:latin typeface="Cambria Math" panose="02040503050406030204" pitchFamily="18" charset="0"/>
+                            </a:rPr>
+                          </m:ctrlPr>
+                        </m:fPr>
+                        <m:num>
+                          <m:r>
+                            <a:rPr lang="en-US" sz="5400" b="0" i="1" smtClean="0">
+                              <a:solidFill>
+                                <a:sysClr val="windowText" lastClr="000000"/>
+                              </a:solidFill>
+                              <a:latin typeface="Cambria Math" panose="02040503050406030204" pitchFamily="18" charset="0"/>
+                            </a:rPr>
+                            <m:t>1+</m:t>
+                          </m:r>
+                          <m:r>
+                            <a:rPr lang="en-US" sz="5400" b="0" i="1" smtClean="0">
+                              <a:solidFill>
+                                <a:sysClr val="windowText" lastClr="000000"/>
+                              </a:solidFill>
+                              <a:latin typeface="Cambria Math" panose="02040503050406030204" pitchFamily="18" charset="0"/>
+                            </a:rPr>
+                            <m:t>𝑛</m:t>
+                          </m:r>
+                        </m:num>
+                        <m:den>
+                          <m:r>
+                            <a:rPr lang="en-US" sz="5400" b="0" i="1" smtClean="0">
+                              <a:solidFill>
+                                <a:sysClr val="windowText" lastClr="000000"/>
+                              </a:solidFill>
+                              <a:latin typeface="Cambria Math" panose="02040503050406030204" pitchFamily="18" charset="0"/>
+                            </a:rPr>
+                            <m:t>1+</m:t>
+                          </m:r>
+                          <m:r>
+                            <a:rPr lang="en-US" sz="5400" b="0" i="1" smtClean="0">
+                              <a:solidFill>
+                                <a:sysClr val="windowText" lastClr="000000"/>
+                              </a:solidFill>
+                              <a:latin typeface="Cambria Math" panose="02040503050406030204" pitchFamily="18" charset="0"/>
+                            </a:rPr>
+                            <m:t>𝑑𝑓</m:t>
+                          </m:r>
+                          <m:r>
+                            <a:rPr lang="en-US" sz="5400" b="0" i="1" smtClean="0">
+                              <a:solidFill>
+                                <a:sysClr val="windowText" lastClr="000000"/>
+                              </a:solidFill>
+                              <a:latin typeface="Cambria Math" panose="02040503050406030204" pitchFamily="18" charset="0"/>
+                            </a:rPr>
+                            <m:t>(</m:t>
+                          </m:r>
+                          <m:r>
+                            <a:rPr lang="en-US" sz="5400" b="0" i="1" smtClean="0">
+                              <a:solidFill>
+                                <a:sysClr val="windowText" lastClr="000000"/>
+                              </a:solidFill>
+                              <a:latin typeface="Cambria Math" panose="02040503050406030204" pitchFamily="18" charset="0"/>
+                            </a:rPr>
+                            <m:t>𝑡</m:t>
+                          </m:r>
+                          <m:r>
+                            <a:rPr lang="en-US" sz="5400" b="0" i="1" smtClean="0">
+                              <a:solidFill>
+                                <a:sysClr val="windowText" lastClr="000000"/>
+                              </a:solidFill>
+                              <a:latin typeface="Cambria Math" panose="02040503050406030204" pitchFamily="18" charset="0"/>
+                            </a:rPr>
+                            <m:t>)</m:t>
+                          </m:r>
+                        </m:den>
+                      </m:f>
+                      <m:r>
+                        <a:rPr lang="en-US" sz="5400" b="0" i="1" smtClean="0">
+                          <a:solidFill>
+                            <a:sysClr val="windowText" lastClr="000000"/>
+                          </a:solidFill>
+                          <a:latin typeface="Cambria Math" panose="02040503050406030204" pitchFamily="18" charset="0"/>
+                        </a:rPr>
+                        <m:t>+1</m:t>
+                      </m:r>
+                    </m:oMath>
+                  </m:oMathPara>
+                </a14:m>
+                <a:endParaRPr lang="ru-RU" dirty="0"/>
+              </a:p>
+            </p:txBody>
+          </p:sp>
+        </mc:Choice>
+        <mc:Fallback>
+          <p:sp>
+            <p:nvSpPr>
+              <p:cNvPr id="12" name="Прямоугольник 11">
+                <a:extLst>
+                  <a:ext uri="{FF2B5EF4-FFF2-40B4-BE49-F238E27FC236}">
+                    <a16:creationId xmlns:a16="http://schemas.microsoft.com/office/drawing/2014/main" id="{BF951E7D-77CE-6E4E-B1CA-517546F3131A}"/>
+                  </a:ext>
+                </a:extLst>
+              </p:cNvPr>
+              <p:cNvSpPr>
+                <a:spLocks noRot="1" noChangeAspect="1" noMove="1" noResize="1" noEditPoints="1" noAdjustHandles="1" noChangeArrowheads="1" noChangeShapeType="1" noTextEdit="1"/>
+              </p:cNvSpPr>
+              <p:nvPr/>
+            </p:nvSpPr>
+            <p:spPr>
+              <a:xfrm>
+                <a:off x="15000312" y="9982917"/>
+                <a:ext cx="8160567" cy="1801006"/>
+              </a:xfrm>
+              <a:prstGeom prst="rect">
+                <a:avLst/>
+              </a:prstGeom>
+              <a:blipFill>
+                <a:blip r:embed="rId5"/>
+                <a:stretch>
+                  <a:fillRect l="-1087" b="-13986"/>
+                </a:stretch>
+              </a:blipFill>
+            </p:spPr>
+            <p:txBody>
+              <a:bodyPr/>
+              <a:lstStyle/>
+              <a:p>
+                <a:r>
+                  <a:rPr lang="ru-RU">
+                    <a:noFill/>
+                  </a:rPr>
+                  <a:t> </a:t>
+                </a:r>
+              </a:p>
+            </p:txBody>
+          </p:sp>
+        </mc:Fallback>
+      </mc:AlternateContent>
+    </p:spTree>
+    <p:extLst>
+      <p:ext uri="{BB962C8B-B14F-4D97-AF65-F5344CB8AC3E}">
+        <p14:creationId xmlns:p14="http://schemas.microsoft.com/office/powerpoint/2010/main" val="1206294048"/>
+      </p:ext>
+    </p:extLst>
+  </p:cSld>
+  <p:clrMapOvr>
+    <a:masterClrMapping/>
+  </p:clrMapOvr>
+  <p:transition spd="med"/>
+  <p:timing>
+    <p:tnLst>
+      <p:par>
+        <p:cTn id="1" dur="indefinite" restart="never" nodeType="tmRoot">
+          <p:childTnLst>
+            <p:seq concurrent="1" nextAc="seek">
+              <p:cTn id="2" dur="indefinite" nodeType="mainSeq">
+                <p:childTnLst>
+                  <p:par>
+                    <p:cTn id="3" fill="hold">
+                      <p:stCondLst>
+                        <p:cond delay="indefinite"/>
+                        <p:cond evt="onBegin" delay="0">
+                          <p:tn val="2"/>
+                        </p:cond>
+                      </p:stCondLst>
+                      <p:childTnLst>
+                        <p:par>
+                          <p:cTn id="4" fill="hold">
+                            <p:stCondLst>
+                              <p:cond delay="0"/>
+                            </p:stCondLst>
+                            <p:childTnLst>
+                              <p:par>
+                                <p:cTn id="5" presetID="22" presetClass="entr" presetSubtype="8" fill="hold" grpId="0" nodeType="afterEffect">
+                                  <p:stCondLst>
+                                    <p:cond delay="0"/>
+                                  </p:stCondLst>
+                                  <p:childTnLst>
+                                    <p:set>
+                                      <p:cBhvr>
+                                        <p:cTn id="6" dur="1" fill="hold">
+                                          <p:stCondLst>
+                                            <p:cond delay="0"/>
+                                          </p:stCondLst>
+                                        </p:cTn>
+                                        <p:tgtEl>
+                                          <p:spTgt spid="7"/>
+                                        </p:tgtEl>
+                                        <p:attrNameLst>
+                                          <p:attrName>style.visibility</p:attrName>
+                                        </p:attrNameLst>
+                                      </p:cBhvr>
+                                      <p:to>
+                                        <p:strVal val="visible"/>
+                                      </p:to>
+                                    </p:set>
+                                    <p:animEffect transition="in" filter="wipe(left)">
+                                      <p:cBhvr>
+                                        <p:cTn id="7" dur="500"/>
+                                        <p:tgtEl>
+                                          <p:spTgt spid="7"/>
+                                        </p:tgtEl>
+                                      </p:cBhvr>
+                                    </p:animEffect>
+                                  </p:childTnLst>
+                                </p:cTn>
+                              </p:par>
+                            </p:childTnLst>
+                          </p:cTn>
+                        </p:par>
+                      </p:childTnLst>
+                    </p:cTn>
+                  </p:par>
+                </p:childTnLst>
+              </p:cTn>
+              <p:prevCondLst>
+                <p:cond evt="onPrev" delay="0">
+                  <p:tgtEl>
+                    <p:sldTgt/>
+                  </p:tgtEl>
+                </p:cond>
+              </p:prevCondLst>
+              <p:nextCondLst>
+                <p:cond evt="onNext" delay="0">
+                  <p:tgtEl>
+                    <p:sldTgt/>
+                  </p:tgtEl>
+                </p:cond>
+              </p:nextCondLst>
+            </p:seq>
+          </p:childTnLst>
+        </p:cTn>
+      </p:par>
+    </p:tnLst>
+    <p:bldLst>
+      <p:bldP spid="7" grpId="0"/>
+    </p:bldLst>
+  </p:timing>
+</p:sld>
+</file>
+
+<file path=ppt/slides/slide7.xml><?xml version="1.0" encoding="utf-8"?>
+<p:sld xmlns:a="http://schemas.openxmlformats.org/drawingml/2006/main" xmlns:r="http://schemas.openxmlformats.org/officeDocument/2006/relationships" xmlns:p="http://schemas.openxmlformats.org/presentationml/2006/main">
+  <p:cSld>
+    <p:spTree>
+      <p:nvGrpSpPr>
+        <p:cNvPr id="1" name=""/>
+        <p:cNvGrpSpPr/>
+        <p:nvPr/>
+      </p:nvGrpSpPr>
+      <p:grpSpPr>
+        <a:xfrm>
+          <a:off x="0" y="0"/>
+          <a:ext cx="0" cy="0"/>
+          <a:chOff x="0" y="0"/>
+          <a:chExt cx="0" cy="0"/>
+        </a:xfrm>
+      </p:grpSpPr>
+      <p:sp>
+        <p:nvSpPr>
+          <p:cNvPr id="2" name="Очень крутой заголовок…">
+            <a:extLst>
+              <a:ext uri="{FF2B5EF4-FFF2-40B4-BE49-F238E27FC236}">
+                <a16:creationId xmlns:a16="http://schemas.microsoft.com/office/drawing/2014/main" id="{AA4E6690-1AAA-2444-9557-7DFB8900C208}"/>
+              </a:ext>
+            </a:extLst>
+          </p:cNvPr>
+          <p:cNvSpPr txBox="1"/>
+          <p:nvPr/>
+        </p:nvSpPr>
+        <p:spPr>
+          <a:xfrm>
+            <a:off x="598712" y="374367"/>
+            <a:ext cx="21506374" cy="2313227"/>
+          </a:xfrm>
+          <a:prstGeom prst="rect">
+            <a:avLst/>
+          </a:prstGeom>
+          <a:ln w="12700">
+            <a:miter lim="400000"/>
+          </a:ln>
+          <a:extLst>
+            <a:ext uri="{C572A759-6A51-4108-AA02-DFA0A04FC94B}">
+              <ma14:wrappingTextBoxFlag xmlns="" xmlns:m="http://schemas.openxmlformats.org/officeDocument/2006/math" xmlns:a14="http://schemas.microsoft.com/office/drawing/2010/main" xmlns:ma14="http://schemas.microsoft.com/office/mac/drawingml/2011/main" val="1"/>
+            </a:ext>
+          </a:extLst>
+        </p:spPr>
+        <p:txBody>
+          <a:bodyPr lIns="71437" tIns="71437" rIns="71437" bIns="71437"/>
+          <a:lstStyle/>
+          <a:p>
+            <a:pPr algn="l">
+              <a:defRPr sz="7000" b="1" cap="all">
+                <a:solidFill>
+                  <a:srgbClr val="253957"/>
+                </a:solidFill>
+                <a:latin typeface="+mn-lt"/>
+                <a:ea typeface="+mn-ea"/>
+                <a:cs typeface="+mn-cs"/>
+                <a:sym typeface="Arial Narrow"/>
+              </a:defRPr>
+            </a:pPr>
+            <a:r>
+              <a:rPr lang="ru-RU" dirty="0"/>
+              <a:t>Векторизация</a:t>
+            </a:r>
+            <a:r>
+              <a:rPr lang="en-US" dirty="0"/>
+              <a:t> </a:t>
+            </a:r>
+            <a:r>
+              <a:rPr lang="ru-RU" dirty="0"/>
+              <a:t>отзывов</a:t>
+            </a:r>
+          </a:p>
+        </p:txBody>
+      </p:sp>
+      <p:sp>
+        <p:nvSpPr>
+          <p:cNvPr id="7" name="TextBox 6">
+            <a:extLst>
+              <a:ext uri="{FF2B5EF4-FFF2-40B4-BE49-F238E27FC236}">
+                <a16:creationId xmlns:a16="http://schemas.microsoft.com/office/drawing/2014/main" id="{61878220-4812-1846-B556-1CC3115621D1}"/>
+              </a:ext>
+            </a:extLst>
+          </p:cNvPr>
+          <p:cNvSpPr txBox="1"/>
+          <p:nvPr/>
+        </p:nvSpPr>
+        <p:spPr>
+          <a:xfrm>
+            <a:off x="598712" y="3043927"/>
+            <a:ext cx="6807705" cy="1015663"/>
+          </a:xfrm>
+          <a:prstGeom prst="rect">
+            <a:avLst/>
+          </a:prstGeom>
+          <a:noFill/>
+        </p:spPr>
+        <p:txBody>
+          <a:bodyPr wrap="square" rtlCol="0">
+            <a:spAutoFit/>
+          </a:bodyPr>
+          <a:lstStyle/>
+          <a:p>
+            <a:pPr algn="l"/>
+            <a:r>
+              <a:rPr lang="ru-RU" sz="6000" b="1" cap="all" dirty="0">
+                <a:solidFill>
+                  <a:srgbClr val="253957"/>
+                </a:solidFill>
+                <a:latin typeface="+mn-lt"/>
+                <a:ea typeface="+mn-ea"/>
+                <a:cs typeface="+mn-cs"/>
+              </a:rPr>
+              <a:t>Метод </a:t>
+            </a:r>
+            <a:r>
+              <a:rPr lang="en" sz="6000" b="1" cap="all" dirty="0">
+                <a:solidFill>
+                  <a:srgbClr val="253957"/>
+                </a:solidFill>
+                <a:latin typeface="+mn-lt"/>
+                <a:ea typeface="+mn-ea"/>
+                <a:cs typeface="+mn-cs"/>
+              </a:rPr>
+              <a:t>TF-IDF</a:t>
+            </a:r>
+          </a:p>
+        </p:txBody>
+      </p:sp>
+      <p:sp>
+        <p:nvSpPr>
+          <p:cNvPr id="4" name="TextBox 3">
+            <a:extLst>
+              <a:ext uri="{FF2B5EF4-FFF2-40B4-BE49-F238E27FC236}">
+                <a16:creationId xmlns:a16="http://schemas.microsoft.com/office/drawing/2014/main" id="{6DC5EB36-076C-E844-A584-5673345AE5B7}"/>
+              </a:ext>
+            </a:extLst>
+          </p:cNvPr>
+          <p:cNvSpPr txBox="1"/>
+          <p:nvPr/>
+        </p:nvSpPr>
+        <p:spPr>
+          <a:xfrm>
+            <a:off x="885258" y="4873636"/>
+            <a:ext cx="15545162" cy="1806263"/>
+          </a:xfrm>
+          <a:prstGeom prst="rect">
+            <a:avLst/>
+          </a:prstGeom>
+          <a:noFill/>
+          <a:ln w="12700" cap="flat">
+            <a:noFill/>
+            <a:miter lim="400000"/>
+          </a:ln>
+          <a:effectLst/>
+          <a:sp3d/>
+        </p:spPr>
+        <p:style>
+          <a:lnRef idx="0">
+            <a:scrgbClr r="0" g="0" b="0"/>
+          </a:lnRef>
+          <a:fillRef idx="0">
+            <a:scrgbClr r="0" g="0" b="0"/>
+          </a:fillRef>
+          <a:effectRef idx="0">
+            <a:scrgbClr r="0" g="0" b="0"/>
+          </a:effectRef>
+          <a:fontRef idx="none"/>
+        </p:style>
+        <p:txBody>
+          <a:bodyPr rot="0" spcFirstLastPara="1" vertOverflow="overflow" horzOverflow="overflow" vert="horz" wrap="square" lIns="71437" tIns="71437" rIns="71437" bIns="71437" numCol="1" spcCol="38100" rtlCol="0" anchor="ctr">
+            <a:spAutoFit/>
+          </a:bodyPr>
+          <a:lstStyle/>
+          <a:p>
+            <a:pPr algn="l"/>
+            <a:r>
+              <a:rPr lang="ru-RU" sz="3600" dirty="0"/>
+              <a:t>Оценка важности </a:t>
+            </a:r>
+            <a:r>
+              <a:rPr lang="ru-RU" sz="3600" dirty="0">
+                <a:solidFill>
+                  <a:sysClr val="windowText" lastClr="000000"/>
+                </a:solidFill>
+              </a:rPr>
+              <a:t>слова как в контексте рассматриваемого экземпляра документа, так и относительно других документов, находящихся в коллекции</a:t>
+            </a:r>
+            <a:endParaRPr kumimoji="0" lang="ru-RU" sz="3600" b="0" i="0" u="none" strike="noStrike" cap="none" spc="0" normalizeH="0" baseline="0" dirty="0">
+              <a:ln>
+                <a:noFill/>
+              </a:ln>
+              <a:solidFill>
+                <a:srgbClr val="000000"/>
+              </a:solidFill>
+              <a:effectLst/>
+              <a:uFillTx/>
+              <a:latin typeface="+mj-lt"/>
+              <a:ea typeface="+mj-ea"/>
+              <a:cs typeface="+mj-cs"/>
+              <a:sym typeface="Helvetica Light"/>
+            </a:endParaRPr>
+          </a:p>
+        </p:txBody>
+      </p:sp>
+      <mc:AlternateContent xmlns:mc="http://schemas.openxmlformats.org/markup-compatibility/2006">
+        <mc:Choice xmlns:a14="http://schemas.microsoft.com/office/drawing/2010/main" Requires="a14">
+          <p:sp>
+            <p:nvSpPr>
+              <p:cNvPr id="6" name="Прямоугольник 5">
+                <a:extLst>
+                  <a:ext uri="{FF2B5EF4-FFF2-40B4-BE49-F238E27FC236}">
+                    <a16:creationId xmlns:a16="http://schemas.microsoft.com/office/drawing/2014/main" id="{A661E478-D6D1-D149-85CB-1020F3E10479}"/>
+                  </a:ext>
+                </a:extLst>
+              </p:cNvPr>
+              <p:cNvSpPr/>
+              <p:nvPr/>
+            </p:nvSpPr>
+            <p:spPr>
+              <a:xfrm>
+                <a:off x="1092344" y="9956821"/>
+                <a:ext cx="5820440" cy="1700466"/>
+              </a:xfrm>
+              <a:prstGeom prst="rect">
+                <a:avLst/>
+              </a:prstGeom>
+            </p:spPr>
+            <p:txBody>
+              <a:bodyPr wrap="none">
+                <a:spAutoFit/>
+              </a:bodyPr>
+              <a:lstStyle/>
+              <a:p>
+                <a14:m>
+                  <m:oMathPara xmlns:m="http://schemas.openxmlformats.org/officeDocument/2006/math">
+                    <m:oMathParaPr>
+                      <m:jc m:val="centerGroup"/>
+                    </m:oMathParaPr>
+                    <m:oMath xmlns:m="http://schemas.openxmlformats.org/officeDocument/2006/math">
+                      <m:r>
+                        <a:rPr lang="en-US" sz="5400" i="1" smtClean="0">
+                          <a:solidFill>
+                            <a:sysClr val="windowText" lastClr="000000"/>
+                          </a:solidFill>
+                          <a:latin typeface="Cambria Math" panose="02040503050406030204" pitchFamily="18" charset="0"/>
+                        </a:rPr>
+                        <m:t>𝑇𝐹</m:t>
+                      </m:r>
+                      <m:d>
+                        <m:dPr>
+                          <m:ctrlPr>
+                            <a:rPr lang="en-US" sz="5400" i="1">
+                              <a:solidFill>
+                                <a:sysClr val="windowText" lastClr="000000"/>
+                              </a:solidFill>
+                              <a:latin typeface="Cambria Math" panose="02040503050406030204" pitchFamily="18" charset="0"/>
+                            </a:rPr>
+                          </m:ctrlPr>
+                        </m:dPr>
+                        <m:e>
+                          <m:r>
+                            <a:rPr lang="en-US" sz="5400" b="0" i="1" smtClean="0">
+                              <a:solidFill>
+                                <a:sysClr val="windowText" lastClr="000000"/>
+                              </a:solidFill>
+                              <a:latin typeface="Cambria Math" panose="02040503050406030204" pitchFamily="18" charset="0"/>
+                            </a:rPr>
+                            <m:t>𝑡</m:t>
+                          </m:r>
+                          <m:r>
+                            <a:rPr lang="en-US" sz="5400" i="1">
+                              <a:solidFill>
+                                <a:sysClr val="windowText" lastClr="000000"/>
+                              </a:solidFill>
+                              <a:latin typeface="Cambria Math" panose="02040503050406030204" pitchFamily="18" charset="0"/>
+                            </a:rPr>
+                            <m:t>,</m:t>
+                          </m:r>
+                          <m:r>
+                            <a:rPr lang="en-US" sz="5400" i="1">
+                              <a:solidFill>
+                                <a:sysClr val="windowText" lastClr="000000"/>
+                              </a:solidFill>
+                              <a:latin typeface="Cambria Math" panose="02040503050406030204" pitchFamily="18" charset="0"/>
+                            </a:rPr>
+                            <m:t>𝑑</m:t>
+                          </m:r>
+                        </m:e>
+                      </m:d>
+                      <m:r>
+                        <a:rPr lang="en-US" sz="5400" i="1">
+                          <a:solidFill>
+                            <a:sysClr val="windowText" lastClr="000000"/>
+                          </a:solidFill>
+                          <a:latin typeface="Cambria Math" panose="02040503050406030204" pitchFamily="18" charset="0"/>
+                        </a:rPr>
+                        <m:t>=</m:t>
+                      </m:r>
+                      <m:f>
+                        <m:fPr>
+                          <m:ctrlPr>
+                            <a:rPr lang="en-US" sz="5400" i="1">
+                              <a:solidFill>
+                                <a:sysClr val="windowText" lastClr="000000"/>
+                              </a:solidFill>
+                              <a:latin typeface="Cambria Math" panose="02040503050406030204" pitchFamily="18" charset="0"/>
+                            </a:rPr>
+                          </m:ctrlPr>
+                        </m:fPr>
+                        <m:num>
+                          <m:sSub>
+                            <m:sSubPr>
+                              <m:ctrlPr>
+                                <a:rPr lang="en-US" sz="5400" b="0" i="1" smtClean="0">
+                                  <a:solidFill>
+                                    <a:sysClr val="windowText" lastClr="000000"/>
+                                  </a:solidFill>
+                                  <a:latin typeface="Cambria Math" panose="02040503050406030204" pitchFamily="18" charset="0"/>
+                                </a:rPr>
+                              </m:ctrlPr>
+                            </m:sSubPr>
+                            <m:e>
+                              <m:r>
+                                <a:rPr lang="en-US" sz="5400" b="0" i="1" smtClean="0">
+                                  <a:solidFill>
+                                    <a:sysClr val="windowText" lastClr="000000"/>
+                                  </a:solidFill>
+                                  <a:latin typeface="Cambria Math" panose="02040503050406030204" pitchFamily="18" charset="0"/>
+                                </a:rPr>
+                                <m:t>𝑛</m:t>
+                              </m:r>
+                            </m:e>
+                            <m:sub>
+                              <m:r>
+                                <a:rPr lang="en-US" sz="5400" b="0" i="1" smtClean="0">
+                                  <a:solidFill>
+                                    <a:sysClr val="windowText" lastClr="000000"/>
+                                  </a:solidFill>
+                                  <a:latin typeface="Cambria Math" panose="02040503050406030204" pitchFamily="18" charset="0"/>
+                                </a:rPr>
+                                <m:t>𝑡</m:t>
+                              </m:r>
+                            </m:sub>
+                          </m:sSub>
+                        </m:num>
+                        <m:den>
+                          <m:nary>
+                            <m:naryPr>
+                              <m:chr m:val="∑"/>
+                              <m:limLoc m:val="subSup"/>
+                              <m:supHide m:val="on"/>
+                              <m:ctrlPr>
+                                <a:rPr lang="en-US" sz="5400" i="1">
+                                  <a:solidFill>
+                                    <a:sysClr val="windowText" lastClr="000000"/>
+                                  </a:solidFill>
+                                  <a:latin typeface="Cambria Math" panose="02040503050406030204" pitchFamily="18" charset="0"/>
+                                </a:rPr>
+                              </m:ctrlPr>
+                            </m:naryPr>
+                            <m:sub>
+                              <m:r>
+                                <m:rPr>
+                                  <m:brk m:alnAt="9"/>
+                                </m:rPr>
+                                <a:rPr lang="en-US" sz="5400" i="1">
+                                  <a:solidFill>
+                                    <a:sysClr val="windowText" lastClr="000000"/>
+                                  </a:solidFill>
+                                  <a:latin typeface="Cambria Math" panose="02040503050406030204" pitchFamily="18" charset="0"/>
+                                </a:rPr>
+                                <m:t>𝑘</m:t>
+                              </m:r>
+                            </m:sub>
+                            <m:sup/>
+                            <m:e>
+                              <m:d>
+                                <m:dPr>
+                                  <m:ctrlPr>
+                                    <a:rPr lang="en-US" sz="5400" i="1">
+                                      <a:solidFill>
+                                        <a:sysClr val="windowText" lastClr="000000"/>
+                                      </a:solidFill>
+                                      <a:latin typeface="Cambria Math" panose="02040503050406030204" pitchFamily="18" charset="0"/>
+                                    </a:rPr>
+                                  </m:ctrlPr>
+                                </m:dPr>
+                                <m:e>
+                                  <m:sSub>
+                                    <m:sSubPr>
+                                      <m:ctrlPr>
+                                        <a:rPr lang="en-US" sz="5400" i="1">
+                                          <a:solidFill>
+                                            <a:sysClr val="windowText" lastClr="000000"/>
+                                          </a:solidFill>
+                                          <a:latin typeface="Cambria Math" panose="02040503050406030204" pitchFamily="18" charset="0"/>
+                                        </a:rPr>
+                                      </m:ctrlPr>
+                                    </m:sSubPr>
+                                    <m:e>
+                                      <m:r>
+                                        <a:rPr lang="en-US" sz="5400" i="1">
+                                          <a:solidFill>
+                                            <a:sysClr val="windowText" lastClr="000000"/>
+                                          </a:solidFill>
+                                          <a:latin typeface="Cambria Math" panose="02040503050406030204" pitchFamily="18" charset="0"/>
+                                        </a:rPr>
+                                        <m:t>𝑛</m:t>
+                                      </m:r>
+                                    </m:e>
+                                    <m:sub>
+                                      <m:r>
+                                        <a:rPr lang="en-US" sz="5400" i="1">
+                                          <a:solidFill>
+                                            <a:sysClr val="windowText" lastClr="000000"/>
+                                          </a:solidFill>
+                                          <a:latin typeface="Cambria Math" panose="02040503050406030204" pitchFamily="18" charset="0"/>
+                                        </a:rPr>
+                                        <m:t>𝑘</m:t>
+                                      </m:r>
+                                    </m:sub>
+                                  </m:sSub>
+                                </m:e>
+                              </m:d>
+                            </m:e>
+                          </m:nary>
+                        </m:den>
+                      </m:f>
+                    </m:oMath>
+                  </m:oMathPara>
+                </a14:m>
+                <a:endParaRPr lang="ru-RU" dirty="0"/>
+              </a:p>
+            </p:txBody>
+          </p:sp>
+        </mc:Choice>
+        <mc:Fallback>
+          <p:sp>
+            <p:nvSpPr>
+              <p:cNvPr id="6" name="Прямоугольник 5">
+                <a:extLst>
+                  <a:ext uri="{FF2B5EF4-FFF2-40B4-BE49-F238E27FC236}">
+                    <a16:creationId xmlns:a16="http://schemas.microsoft.com/office/drawing/2014/main" id="{A661E478-D6D1-D149-85CB-1020F3E10479}"/>
+                  </a:ext>
+                </a:extLst>
+              </p:cNvPr>
+              <p:cNvSpPr>
+                <a:spLocks noRot="1" noChangeAspect="1" noMove="1" noResize="1" noEditPoints="1" noAdjustHandles="1" noChangeArrowheads="1" noChangeShapeType="1" noTextEdit="1"/>
+              </p:cNvSpPr>
+              <p:nvPr/>
+            </p:nvSpPr>
+            <p:spPr>
+              <a:xfrm>
+                <a:off x="1092344" y="9956821"/>
+                <a:ext cx="5820440" cy="1700466"/>
+              </a:xfrm>
+              <a:prstGeom prst="rect">
+                <a:avLst/>
+              </a:prstGeom>
+              <a:blipFill>
+                <a:blip r:embed="rId3"/>
+                <a:stretch>
+                  <a:fillRect l="-1743" t="-35556" b="-118519"/>
+                </a:stretch>
+              </a:blipFill>
+            </p:spPr>
+            <p:txBody>
+              <a:bodyPr/>
+              <a:lstStyle/>
+              <a:p>
+                <a:r>
+                  <a:rPr lang="ru-RU">
+                    <a:noFill/>
+                  </a:rPr>
+                  <a:t> </a:t>
+                </a:r>
+              </a:p>
+            </p:txBody>
+          </p:sp>
+        </mc:Fallback>
+      </mc:AlternateContent>
+      <mc:AlternateContent xmlns:mc="http://schemas.openxmlformats.org/markup-compatibility/2006">
+        <mc:Choice xmlns:a14="http://schemas.microsoft.com/office/drawing/2010/main" Requires="a14">
+          <p:sp>
+            <p:nvSpPr>
+              <p:cNvPr id="11" name="Прямоугольник 10">
+                <a:extLst>
+                  <a:ext uri="{FF2B5EF4-FFF2-40B4-BE49-F238E27FC236}">
+                    <a16:creationId xmlns:a16="http://schemas.microsoft.com/office/drawing/2014/main" id="{D9F1038B-55FD-BA41-8EFB-04B8A9D06F97}"/>
+                  </a:ext>
+                </a:extLst>
+              </p:cNvPr>
+              <p:cNvSpPr/>
+              <p:nvPr/>
+            </p:nvSpPr>
+            <p:spPr>
+              <a:xfrm>
+                <a:off x="6680116" y="7887473"/>
+                <a:ext cx="9694449" cy="861774"/>
+              </a:xfrm>
+              <a:prstGeom prst="rect">
+                <a:avLst/>
+              </a:prstGeom>
+            </p:spPr>
+            <p:txBody>
+              <a:bodyPr wrap="none">
+                <a:spAutoFit/>
+              </a:bodyPr>
+              <a:lstStyle/>
+              <a:p>
+                <a14:m>
+                  <m:oMathPara xmlns:m="http://schemas.openxmlformats.org/officeDocument/2006/math">
+                    <m:oMathParaPr>
+                      <m:jc m:val="centerGroup"/>
+                    </m:oMathParaPr>
+                    <m:oMath xmlns:m="http://schemas.openxmlformats.org/officeDocument/2006/math">
+                      <m:r>
+                        <a:rPr lang="en-US" b="0" i="1" smtClean="0">
+                          <a:latin typeface="Cambria Math" panose="02040503050406030204" pitchFamily="18" charset="0"/>
+                        </a:rPr>
+                        <m:t>𝑇𝐹</m:t>
+                      </m:r>
+                      <m:r>
+                        <a:rPr lang="en-US" b="0" i="1" smtClean="0">
+                          <a:latin typeface="Cambria Math" panose="02040503050406030204" pitchFamily="18" charset="0"/>
+                        </a:rPr>
+                        <m:t>−</m:t>
+                      </m:r>
+                      <m:r>
+                        <a:rPr lang="en-US" b="0" i="1" smtClean="0">
+                          <a:latin typeface="Cambria Math" panose="02040503050406030204" pitchFamily="18" charset="0"/>
+                        </a:rPr>
+                        <m:t>𝐼𝐷𝐹</m:t>
+                      </m:r>
+                      <m:d>
+                        <m:dPr>
+                          <m:ctrlPr>
+                            <a:rPr lang="en-US" b="0" i="1" smtClean="0">
+                              <a:latin typeface="Cambria Math" panose="02040503050406030204" pitchFamily="18" charset="0"/>
+                            </a:rPr>
+                          </m:ctrlPr>
+                        </m:dPr>
+                        <m:e>
+                          <m:r>
+                            <a:rPr lang="en-US" b="0" i="1" smtClean="0">
+                              <a:latin typeface="Cambria Math" panose="02040503050406030204" pitchFamily="18" charset="0"/>
+                            </a:rPr>
+                            <m:t>𝑡</m:t>
+                          </m:r>
+                          <m:r>
+                            <a:rPr lang="en-US" b="0" i="1" smtClean="0">
+                              <a:latin typeface="Cambria Math" panose="02040503050406030204" pitchFamily="18" charset="0"/>
+                            </a:rPr>
+                            <m:t>,</m:t>
+                          </m:r>
+                          <m:r>
+                            <a:rPr lang="en-US" b="0" i="1" smtClean="0">
+                              <a:latin typeface="Cambria Math" panose="02040503050406030204" pitchFamily="18" charset="0"/>
+                            </a:rPr>
+                            <m:t>𝑑</m:t>
+                          </m:r>
+                        </m:e>
+                      </m:d>
+                      <m:r>
+                        <a:rPr lang="en-US" b="0" i="1" smtClean="0">
+                          <a:latin typeface="Cambria Math" panose="02040503050406030204" pitchFamily="18" charset="0"/>
+                        </a:rPr>
+                        <m:t>=</m:t>
+                      </m:r>
+                      <m:r>
+                        <a:rPr lang="en-US" b="0" i="1" smtClean="0">
+                          <a:latin typeface="Cambria Math" panose="02040503050406030204" pitchFamily="18" charset="0"/>
+                        </a:rPr>
+                        <m:t>𝑡𝑓</m:t>
+                      </m:r>
+                      <m:d>
+                        <m:dPr>
+                          <m:ctrlPr>
+                            <a:rPr lang="en-US" b="0" i="1" smtClean="0">
+                              <a:latin typeface="Cambria Math" panose="02040503050406030204" pitchFamily="18" charset="0"/>
+                            </a:rPr>
+                          </m:ctrlPr>
+                        </m:dPr>
+                        <m:e>
+                          <m:r>
+                            <a:rPr lang="en-US" b="0" i="1" smtClean="0">
+                              <a:latin typeface="Cambria Math" panose="02040503050406030204" pitchFamily="18" charset="0"/>
+                            </a:rPr>
+                            <m:t>𝑡</m:t>
+                          </m:r>
+                          <m:r>
+                            <a:rPr lang="en-US" b="0" i="1" smtClean="0">
+                              <a:latin typeface="Cambria Math" panose="02040503050406030204" pitchFamily="18" charset="0"/>
+                            </a:rPr>
+                            <m:t>,</m:t>
+                          </m:r>
+                          <m:r>
+                            <a:rPr lang="en-US" b="0" i="1" smtClean="0">
+                              <a:latin typeface="Cambria Math" panose="02040503050406030204" pitchFamily="18" charset="0"/>
+                            </a:rPr>
+                            <m:t>𝑑</m:t>
+                          </m:r>
+                        </m:e>
+                      </m:d>
+                      <m:r>
+                        <a:rPr lang="en-US" b="0" i="1" smtClean="0">
+                          <a:latin typeface="Cambria Math" panose="02040503050406030204" pitchFamily="18" charset="0"/>
+                        </a:rPr>
+                        <m:t>∗</m:t>
+                      </m:r>
+                      <m:r>
+                        <a:rPr lang="en-US" b="0" i="1" smtClean="0">
+                          <a:latin typeface="Cambria Math" panose="02040503050406030204" pitchFamily="18" charset="0"/>
+                        </a:rPr>
+                        <m:t>𝑖𝑑𝑓</m:t>
+                      </m:r>
+                      <m:r>
+                        <a:rPr lang="en-US" b="0" i="1" smtClean="0">
+                          <a:latin typeface="Cambria Math" panose="02040503050406030204" pitchFamily="18" charset="0"/>
+                        </a:rPr>
+                        <m:t>(</m:t>
+                      </m:r>
+                      <m:r>
+                        <a:rPr lang="en-US" b="0" i="1" smtClean="0">
+                          <a:latin typeface="Cambria Math" panose="02040503050406030204" pitchFamily="18" charset="0"/>
+                        </a:rPr>
+                        <m:t>𝑡</m:t>
+                      </m:r>
+                      <m:r>
+                        <a:rPr lang="en-US" b="0" i="1" smtClean="0">
+                          <a:latin typeface="Cambria Math" panose="02040503050406030204" pitchFamily="18" charset="0"/>
+                        </a:rPr>
+                        <m:t>)</m:t>
+                      </m:r>
+                    </m:oMath>
+                  </m:oMathPara>
+                </a14:m>
+                <a:endParaRPr lang="ru-RU" dirty="0"/>
+              </a:p>
+            </p:txBody>
+          </p:sp>
+        </mc:Choice>
+        <mc:Fallback>
+          <p:sp>
+            <p:nvSpPr>
+              <p:cNvPr id="11" name="Прямоугольник 10">
+                <a:extLst>
+                  <a:ext uri="{FF2B5EF4-FFF2-40B4-BE49-F238E27FC236}">
+                    <a16:creationId xmlns:a16="http://schemas.microsoft.com/office/drawing/2014/main" id="{D9F1038B-55FD-BA41-8EFB-04B8A9D06F97}"/>
+                  </a:ext>
+                </a:extLst>
+              </p:cNvPr>
+              <p:cNvSpPr>
+                <a:spLocks noRot="1" noChangeAspect="1" noMove="1" noResize="1" noEditPoints="1" noAdjustHandles="1" noChangeArrowheads="1" noChangeShapeType="1" noTextEdit="1"/>
+              </p:cNvSpPr>
+              <p:nvPr/>
+            </p:nvSpPr>
+            <p:spPr>
+              <a:xfrm>
+                <a:off x="6680116" y="7887473"/>
+                <a:ext cx="9694449" cy="861774"/>
+              </a:xfrm>
+              <a:prstGeom prst="rect">
+                <a:avLst/>
+              </a:prstGeom>
+              <a:blipFill>
+                <a:blip r:embed="rId4"/>
+                <a:stretch>
+                  <a:fillRect l="-654" b="-23188"/>
+                </a:stretch>
+              </a:blipFill>
+            </p:spPr>
+            <p:txBody>
+              <a:bodyPr/>
+              <a:lstStyle/>
+              <a:p>
+                <a:r>
+                  <a:rPr lang="ru-RU">
+                    <a:noFill/>
+                  </a:rPr>
+                  <a:t> </a:t>
+                </a:r>
+              </a:p>
+            </p:txBody>
+          </p:sp>
+        </mc:Fallback>
+      </mc:AlternateContent>
+      <mc:AlternateContent xmlns:mc="http://schemas.openxmlformats.org/markup-compatibility/2006">
+        <mc:Choice xmlns:a14="http://schemas.microsoft.com/office/drawing/2010/main" Requires="a14">
+          <p:sp>
+            <p:nvSpPr>
+              <p:cNvPr id="12" name="Прямоугольник 11">
+                <a:extLst>
+                  <a:ext uri="{FF2B5EF4-FFF2-40B4-BE49-F238E27FC236}">
+                    <a16:creationId xmlns:a16="http://schemas.microsoft.com/office/drawing/2014/main" id="{BF951E7D-77CE-6E4E-B1CA-517546F3131A}"/>
+                  </a:ext>
+                </a:extLst>
+              </p:cNvPr>
+              <p:cNvSpPr/>
+              <p:nvPr/>
+            </p:nvSpPr>
+            <p:spPr>
+              <a:xfrm>
+                <a:off x="15000312" y="9982917"/>
+                <a:ext cx="8160567" cy="1801006"/>
+              </a:xfrm>
+              <a:prstGeom prst="rect">
+                <a:avLst/>
+              </a:prstGeom>
+            </p:spPr>
+            <p:txBody>
+              <a:bodyPr wrap="none">
+                <a:spAutoFit/>
+              </a:bodyPr>
+              <a:lstStyle/>
+              <a:p>
+                <a14:m>
+                  <m:oMathPara xmlns:m="http://schemas.openxmlformats.org/officeDocument/2006/math">
+                    <m:oMathParaPr>
+                      <m:jc m:val="centerGroup"/>
+                    </m:oMathParaPr>
+                    <m:oMath xmlns:m="http://schemas.openxmlformats.org/officeDocument/2006/math">
+                      <m:r>
+                        <a:rPr lang="en-US" sz="5400" b="0" i="1" smtClean="0">
+                          <a:solidFill>
+                            <a:sysClr val="windowText" lastClr="000000"/>
+                          </a:solidFill>
+                          <a:latin typeface="Cambria Math" panose="02040503050406030204" pitchFamily="18" charset="0"/>
+                        </a:rPr>
+                        <m:t>𝐼𝐷𝐹</m:t>
+                      </m:r>
+                      <m:d>
+                        <m:dPr>
+                          <m:ctrlPr>
+                            <a:rPr lang="en-US" sz="5400" i="1">
+                              <a:solidFill>
+                                <a:sysClr val="windowText" lastClr="000000"/>
+                              </a:solidFill>
+                              <a:latin typeface="Cambria Math" panose="02040503050406030204" pitchFamily="18" charset="0"/>
+                            </a:rPr>
+                          </m:ctrlPr>
+                        </m:dPr>
+                        <m:e>
+                          <m:r>
+                            <a:rPr lang="en-US" sz="5400" b="0" i="1" smtClean="0">
+                              <a:solidFill>
+                                <a:sysClr val="windowText" lastClr="000000"/>
+                              </a:solidFill>
+                              <a:latin typeface="Cambria Math" panose="02040503050406030204" pitchFamily="18" charset="0"/>
+                            </a:rPr>
+                            <m:t>𝑡</m:t>
+                          </m:r>
+                        </m:e>
+                      </m:d>
+                      <m:r>
+                        <a:rPr lang="en-US" sz="5400" i="1">
+                          <a:solidFill>
+                            <a:sysClr val="windowText" lastClr="000000"/>
+                          </a:solidFill>
+                          <a:latin typeface="Cambria Math" panose="02040503050406030204" pitchFamily="18" charset="0"/>
+                        </a:rPr>
+                        <m:t>=</m:t>
+                      </m:r>
+                      <m:r>
+                        <a:rPr lang="en-US" sz="5400" b="0" i="1" smtClean="0">
+                          <a:solidFill>
+                            <a:sysClr val="windowText" lastClr="000000"/>
+                          </a:solidFill>
+                          <a:latin typeface="Cambria Math" panose="02040503050406030204" pitchFamily="18" charset="0"/>
+                        </a:rPr>
+                        <m:t>𝑙𝑛</m:t>
+                      </m:r>
+                      <m:f>
+                        <m:fPr>
+                          <m:ctrlPr>
+                            <a:rPr lang="en-US" sz="5400" i="1">
+                              <a:solidFill>
+                                <a:sysClr val="windowText" lastClr="000000"/>
+                              </a:solidFill>
+                              <a:latin typeface="Cambria Math" panose="02040503050406030204" pitchFamily="18" charset="0"/>
+                            </a:rPr>
+                          </m:ctrlPr>
+                        </m:fPr>
+                        <m:num>
+                          <m:r>
+                            <a:rPr lang="en-US" sz="5400" b="0" i="1" smtClean="0">
+                              <a:solidFill>
+                                <a:sysClr val="windowText" lastClr="000000"/>
+                              </a:solidFill>
+                              <a:latin typeface="Cambria Math" panose="02040503050406030204" pitchFamily="18" charset="0"/>
+                            </a:rPr>
+                            <m:t>1+</m:t>
+                          </m:r>
+                          <m:r>
+                            <a:rPr lang="en-US" sz="5400" b="0" i="1" smtClean="0">
+                              <a:solidFill>
+                                <a:sysClr val="windowText" lastClr="000000"/>
+                              </a:solidFill>
+                              <a:latin typeface="Cambria Math" panose="02040503050406030204" pitchFamily="18" charset="0"/>
+                            </a:rPr>
+                            <m:t>𝑛</m:t>
+                          </m:r>
+                        </m:num>
+                        <m:den>
+                          <m:r>
+                            <a:rPr lang="en-US" sz="5400" b="0" i="1" smtClean="0">
+                              <a:solidFill>
+                                <a:sysClr val="windowText" lastClr="000000"/>
+                              </a:solidFill>
+                              <a:latin typeface="Cambria Math" panose="02040503050406030204" pitchFamily="18" charset="0"/>
+                            </a:rPr>
+                            <m:t>1+</m:t>
+                          </m:r>
+                          <m:r>
+                            <a:rPr lang="en-US" sz="5400" b="0" i="1" smtClean="0">
+                              <a:solidFill>
+                                <a:sysClr val="windowText" lastClr="000000"/>
+                              </a:solidFill>
+                              <a:latin typeface="Cambria Math" panose="02040503050406030204" pitchFamily="18" charset="0"/>
+                            </a:rPr>
+                            <m:t>𝑑𝑓</m:t>
+                          </m:r>
+                          <m:r>
+                            <a:rPr lang="en-US" sz="5400" b="0" i="1" smtClean="0">
+                              <a:solidFill>
+                                <a:sysClr val="windowText" lastClr="000000"/>
+                              </a:solidFill>
+                              <a:latin typeface="Cambria Math" panose="02040503050406030204" pitchFamily="18" charset="0"/>
+                            </a:rPr>
+                            <m:t>(</m:t>
+                          </m:r>
+                          <m:r>
+                            <a:rPr lang="en-US" sz="5400" b="0" i="1" smtClean="0">
+                              <a:solidFill>
+                                <a:sysClr val="windowText" lastClr="000000"/>
+                              </a:solidFill>
+                              <a:latin typeface="Cambria Math" panose="02040503050406030204" pitchFamily="18" charset="0"/>
+                            </a:rPr>
+                            <m:t>𝑡</m:t>
+                          </m:r>
+                          <m:r>
+                            <a:rPr lang="en-US" sz="5400" b="0" i="1" smtClean="0">
+                              <a:solidFill>
+                                <a:sysClr val="windowText" lastClr="000000"/>
+                              </a:solidFill>
+                              <a:latin typeface="Cambria Math" panose="02040503050406030204" pitchFamily="18" charset="0"/>
+                            </a:rPr>
+                            <m:t>)</m:t>
+                          </m:r>
+                        </m:den>
+                      </m:f>
+                      <m:r>
+                        <a:rPr lang="en-US" sz="5400" b="0" i="1" smtClean="0">
+                          <a:solidFill>
+                            <a:sysClr val="windowText" lastClr="000000"/>
+                          </a:solidFill>
+                          <a:latin typeface="Cambria Math" panose="02040503050406030204" pitchFamily="18" charset="0"/>
+                        </a:rPr>
+                        <m:t>+1</m:t>
+                      </m:r>
+                    </m:oMath>
+                  </m:oMathPara>
+                </a14:m>
+                <a:endParaRPr lang="ru-RU" dirty="0"/>
+              </a:p>
+            </p:txBody>
+          </p:sp>
+        </mc:Choice>
+        <mc:Fallback>
+          <p:sp>
+            <p:nvSpPr>
+              <p:cNvPr id="12" name="Прямоугольник 11">
+                <a:extLst>
+                  <a:ext uri="{FF2B5EF4-FFF2-40B4-BE49-F238E27FC236}">
+                    <a16:creationId xmlns:a16="http://schemas.microsoft.com/office/drawing/2014/main" id="{BF951E7D-77CE-6E4E-B1CA-517546F3131A}"/>
+                  </a:ext>
+                </a:extLst>
+              </p:cNvPr>
+              <p:cNvSpPr>
+                <a:spLocks noRot="1" noChangeAspect="1" noMove="1" noResize="1" noEditPoints="1" noAdjustHandles="1" noChangeArrowheads="1" noChangeShapeType="1" noTextEdit="1"/>
+              </p:cNvSpPr>
+              <p:nvPr/>
+            </p:nvSpPr>
+            <p:spPr>
+              <a:xfrm>
+                <a:off x="15000312" y="9982917"/>
+                <a:ext cx="8160567" cy="1801006"/>
+              </a:xfrm>
+              <a:prstGeom prst="rect">
+                <a:avLst/>
+              </a:prstGeom>
+              <a:blipFill>
+                <a:blip r:embed="rId5"/>
+                <a:stretch>
+                  <a:fillRect l="-1087" b="-13986"/>
+                </a:stretch>
+              </a:blipFill>
+            </p:spPr>
+            <p:txBody>
+              <a:bodyPr/>
+              <a:lstStyle/>
+              <a:p>
+                <a:r>
+                  <a:rPr lang="ru-RU">
+                    <a:noFill/>
+                  </a:rPr>
+                  <a:t> </a:t>
+                </a:r>
+              </a:p>
+            </p:txBody>
+          </p:sp>
+        </mc:Fallback>
+      </mc:AlternateContent>
+    </p:spTree>
+    <p:extLst>
+      <p:ext uri="{BB962C8B-B14F-4D97-AF65-F5344CB8AC3E}">
+        <p14:creationId xmlns:p14="http://schemas.microsoft.com/office/powerpoint/2010/main" val="1995770722"/>
+      </p:ext>
+    </p:extLst>
+  </p:cSld>
+  <p:clrMapOvr>
+    <a:masterClrMapping/>
+  </p:clrMapOvr>
+  <p:transition spd="med"/>
+  <p:timing>
+    <p:tnLst>
+      <p:par>
+        <p:cTn id="1" dur="indefinite" restart="never" nodeType="tmRoot">
+          <p:childTnLst>
+            <p:seq concurrent="1" nextAc="seek">
+              <p:cTn id="2" dur="indefinite" nodeType="mainSeq">
+                <p:childTnLst>
+                  <p:par>
+                    <p:cTn id="3" fill="hold">
+                      <p:stCondLst>
+                        <p:cond delay="indefinite"/>
+                        <p:cond evt="onBegin" delay="0">
+                          <p:tn val="2"/>
+                        </p:cond>
+                      </p:stCondLst>
+                      <p:childTnLst>
+                        <p:par>
+                          <p:cTn id="4" fill="hold">
+                            <p:stCondLst>
+                              <p:cond delay="0"/>
+                            </p:stCondLst>
+                            <p:childTnLst>
+                              <p:par>
+                                <p:cTn id="5" presetID="22" presetClass="entr" presetSubtype="8" fill="hold" grpId="0" nodeType="afterEffect">
+                                  <p:stCondLst>
+                                    <p:cond delay="0"/>
+                                  </p:stCondLst>
+                                  <p:childTnLst>
+                                    <p:set>
+                                      <p:cBhvr>
+                                        <p:cTn id="6" dur="1" fill="hold">
+                                          <p:stCondLst>
+                                            <p:cond delay="0"/>
+                                          </p:stCondLst>
+                                        </p:cTn>
+                                        <p:tgtEl>
+                                          <p:spTgt spid="7"/>
+                                        </p:tgtEl>
+                                        <p:attrNameLst>
+                                          <p:attrName>style.visibility</p:attrName>
+                                        </p:attrNameLst>
+                                      </p:cBhvr>
+                                      <p:to>
+                                        <p:strVal val="visible"/>
+                                      </p:to>
+                                    </p:set>
+                                    <p:animEffect transition="in" filter="wipe(left)">
+                                      <p:cBhvr>
+                                        <p:cTn id="7" dur="500"/>
+                                        <p:tgtEl>
+                                          <p:spTgt spid="7"/>
+                                        </p:tgtEl>
+                                      </p:cBhvr>
+                                    </p:animEffect>
+                                  </p:childTnLst>
+                                </p:cTn>
+                              </p:par>
+                            </p:childTnLst>
+                          </p:cTn>
+                        </p:par>
+                      </p:childTnLst>
+                    </p:cTn>
+                  </p:par>
+                </p:childTnLst>
+              </p:cTn>
+              <p:prevCondLst>
+                <p:cond evt="onPrev" delay="0">
+                  <p:tgtEl>
+                    <p:sldTgt/>
+                  </p:tgtEl>
+                </p:cond>
+              </p:prevCondLst>
+              <p:nextCondLst>
+                <p:cond evt="onNext" delay="0">
+                  <p:tgtEl>
+                    <p:sldTgt/>
+                  </p:tgtEl>
+                </p:cond>
+              </p:nextCondLst>
+            </p:seq>
+          </p:childTnLst>
+        </p:cTn>
+      </p:par>
+    </p:tnLst>
+    <p:bldLst>
+      <p:bldP spid="7" grpId="0"/>
+    </p:bldLst>
+  </p:timing>
+</p:sld>
+</file>
+
+<file path=ppt/slides/slide8.xml><?xml version="1.0" encoding="utf-8"?>
+<p:sld xmlns:a="http://schemas.openxmlformats.org/drawingml/2006/main" xmlns:r="http://schemas.openxmlformats.org/officeDocument/2006/relationships" xmlns:p="http://schemas.openxmlformats.org/presentationml/2006/main">
+  <p:cSld>
+    <p:spTree>
+      <p:nvGrpSpPr>
+        <p:cNvPr id="1" name=""/>
+        <p:cNvGrpSpPr/>
+        <p:nvPr/>
+      </p:nvGrpSpPr>
+      <p:grpSpPr>
+        <a:xfrm>
+          <a:off x="0" y="0"/>
+          <a:ext cx="0" cy="0"/>
+          <a:chOff x="0" y="0"/>
+          <a:chExt cx="0" cy="0"/>
+        </a:xfrm>
+      </p:grpSpPr>
+      <p:sp>
+        <p:nvSpPr>
+          <p:cNvPr id="2" name="Очень крутой заголовок…">
+            <a:extLst>
+              <a:ext uri="{FF2B5EF4-FFF2-40B4-BE49-F238E27FC236}">
+                <a16:creationId xmlns:a16="http://schemas.microsoft.com/office/drawing/2014/main" id="{AA4E6690-1AAA-2444-9557-7DFB8900C208}"/>
+              </a:ext>
+            </a:extLst>
+          </p:cNvPr>
+          <p:cNvSpPr txBox="1"/>
+          <p:nvPr/>
+        </p:nvSpPr>
+        <p:spPr>
+          <a:xfrm>
             <a:off x="886744" y="1241376"/>
             <a:ext cx="21506374" cy="2313227"/>
           </a:xfrm>
@@ -8276,7 +12115,7 @@
           </a:ln>
           <a:extLst>
             <a:ext uri="{C572A759-6A51-4108-AA02-DFA0A04FC94B}">
-              <ma14:wrappingTextBoxFlag xmlns:ma14="http://schemas.microsoft.com/office/mac/drawingml/2011/main" xmlns:a14="http://schemas.microsoft.com/office/drawing/2010/main" xmlns:m="http://schemas.openxmlformats.org/officeDocument/2006/math" xmlns="" val="1"/>
+              <ma14:wrappingTextBoxFlag xmlns="" xmlns:m="http://schemas.openxmlformats.org/officeDocument/2006/math" xmlns:a14="http://schemas.microsoft.com/office/drawing/2010/main" xmlns:ma14="http://schemas.microsoft.com/office/mac/drawingml/2011/main" val="1"/>
             </a:ext>
           </a:extLst>
         </p:spPr>
@@ -8406,7 +12245,7 @@
 </p:sld>
 </file>
 
-<file path=ppt/slides/slide7.xml><?xml version="1.0" encoding="utf-8"?>
+<file path=ppt/slides/slide9.xml><?xml version="1.0" encoding="utf-8"?>
 <p:sld xmlns:a="http://schemas.openxmlformats.org/drawingml/2006/main" xmlns:r="http://schemas.openxmlformats.org/officeDocument/2006/relationships" xmlns:p="http://schemas.openxmlformats.org/presentationml/2006/main">
   <p:cSld>
     <p:spTree>
@@ -8423,147 +12262,6 @@
           <a:chExt cx="0" cy="0"/>
         </a:xfrm>
       </p:grpSpPr>
-      <p:sp>
-        <p:nvSpPr>
-          <p:cNvPr id="100" name="Адрес: ТехтТехтТехтТехтТехтТехтТехтТехтТехтТехтТехтТехтТехт"/>
-          <p:cNvSpPr txBox="1"/>
-          <p:nvPr/>
-        </p:nvSpPr>
-        <p:spPr>
-          <a:xfrm>
-            <a:off x="11368363" y="11508581"/>
-            <a:ext cx="8579502" cy="485776"/>
-          </a:xfrm>
-          <a:prstGeom prst="rect">
-            <a:avLst/>
-          </a:prstGeom>
-          <a:ln w="12700">
-            <a:miter lim="400000"/>
-          </a:ln>
-          <a:extLst>
-            <a:ext uri="{C572A759-6A51-4108-AA02-DFA0A04FC94B}">
-              <ma14:wrappingTextBoxFlag xmlns:ma14="http://schemas.microsoft.com/office/mac/drawingml/2011/main" xmlns:a14="http://schemas.microsoft.com/office/drawing/2010/main" xmlns:m="http://schemas.openxmlformats.org/officeDocument/2006/math" xmlns="" val="1"/>
-            </a:ext>
-          </a:extLst>
-        </p:spPr>
-        <p:txBody>
-          <a:bodyPr lIns="71437" tIns="71437" rIns="71437" bIns="71437" anchor="ctr">
-            <a:spAutoFit/>
-          </a:bodyPr>
-          <a:lstStyle>
-            <a:lvl1pPr algn="r" defTabSz="642937">
-              <a:defRPr sz="2400">
-                <a:solidFill>
-                  <a:srgbClr val="FFFFFF"/>
-                </a:solidFill>
-                <a:latin typeface="+mn-lt"/>
-                <a:ea typeface="+mn-ea"/>
-                <a:cs typeface="+mn-cs"/>
-                <a:sym typeface="Arial Narrow"/>
-              </a:defRPr>
-            </a:lvl1pPr>
-          </a:lstStyle>
-          <a:p>
-            <a:r>
-              <a:t>Адрес: ТехтТехтТехтТехтТехтТехтТехтТехтТехтТехтТехтТехтТехт</a:t>
-            </a:r>
-          </a:p>
-        </p:txBody>
-      </p:sp>
-      <p:sp>
-        <p:nvSpPr>
-          <p:cNvPr id="101" name="www.text"/>
-          <p:cNvSpPr txBox="1"/>
-          <p:nvPr/>
-        </p:nvSpPr>
-        <p:spPr>
-          <a:xfrm>
-            <a:off x="4436135" y="11508581"/>
-            <a:ext cx="1407573" cy="485776"/>
-          </a:xfrm>
-          <a:prstGeom prst="rect">
-            <a:avLst/>
-          </a:prstGeom>
-          <a:ln w="12700">
-            <a:miter lim="400000"/>
-          </a:ln>
-          <a:extLst>
-            <a:ext uri="{C572A759-6A51-4108-AA02-DFA0A04FC94B}">
-              <ma14:wrappingTextBoxFlag xmlns:ma14="http://schemas.microsoft.com/office/mac/drawingml/2011/main" xmlns:a14="http://schemas.microsoft.com/office/drawing/2010/main" xmlns:m="http://schemas.openxmlformats.org/officeDocument/2006/math" xmlns="" val="1"/>
-            </a:ext>
-          </a:extLst>
-        </p:spPr>
-        <p:txBody>
-          <a:bodyPr lIns="71437" tIns="71437" rIns="71437" bIns="71437" anchor="ctr">
-            <a:spAutoFit/>
-          </a:bodyPr>
-          <a:lstStyle>
-            <a:lvl1pPr algn="l" defTabSz="642937">
-              <a:defRPr sz="2400">
-                <a:solidFill>
-                  <a:srgbClr val="FFFFFF"/>
-                </a:solidFill>
-                <a:latin typeface="+mn-lt"/>
-                <a:ea typeface="+mn-ea"/>
-                <a:cs typeface="+mn-cs"/>
-                <a:sym typeface="Arial Narrow"/>
-              </a:defRPr>
-            </a:lvl1pPr>
-          </a:lstStyle>
-          <a:p>
-            <a:r>
-              <a:t>www.text</a:t>
-            </a:r>
-          </a:p>
-        </p:txBody>
-      </p:sp>
-      <p:sp>
-        <p:nvSpPr>
-          <p:cNvPr id="102" name="Телефон.: +Х (ХХХ) ХХХ ХХХХ"/>
-          <p:cNvSpPr txBox="1"/>
-          <p:nvPr/>
-        </p:nvSpPr>
-        <p:spPr>
-          <a:xfrm>
-            <a:off x="6620083" y="11508581"/>
-            <a:ext cx="4328255" cy="485776"/>
-          </a:xfrm>
-          <a:prstGeom prst="rect">
-            <a:avLst/>
-          </a:prstGeom>
-          <a:ln w="12700">
-            <a:miter lim="400000"/>
-          </a:ln>
-          <a:extLst>
-            <a:ext uri="{C572A759-6A51-4108-AA02-DFA0A04FC94B}">
-              <ma14:wrappingTextBoxFlag xmlns:ma14="http://schemas.microsoft.com/office/mac/drawingml/2011/main" xmlns:a14="http://schemas.microsoft.com/office/drawing/2010/main" xmlns:m="http://schemas.openxmlformats.org/officeDocument/2006/math" xmlns="" val="1"/>
-            </a:ext>
-          </a:extLst>
-        </p:spPr>
-        <p:txBody>
-          <a:bodyPr lIns="71437" tIns="71437" rIns="71437" bIns="71437" anchor="ctr">
-            <a:spAutoFit/>
-          </a:bodyPr>
-          <a:lstStyle>
-            <a:lvl1pPr algn="l" defTabSz="642937">
-              <a:defRPr sz="2400">
-                <a:solidFill>
-                  <a:srgbClr val="FFFFFF"/>
-                </a:solidFill>
-                <a:latin typeface="+mn-lt"/>
-                <a:ea typeface="+mn-ea"/>
-                <a:cs typeface="+mn-cs"/>
-                <a:sym typeface="Arial Narrow"/>
-              </a:defRPr>
-            </a:lvl1pPr>
-          </a:lstStyle>
-          <a:p>
-            <a:r>
-              <a:t>Телефон.: +Х (ХХХ) ХХХ ХХХХ </a:t>
-            </a:r>
-          </a:p>
-        </p:txBody>
-      </p:sp>
       <p:pic>
         <p:nvPicPr>
           <p:cNvPr id="103" name="Изображение" descr="Изображение"/>
